--- a/Presentation _ Bike _ Demand.pptx
+++ b/Presentation _ Bike _ Demand.pptx
@@ -5,7 +5,7 @@
     <p:sldMasterId id="2147483648" r:id="rId1"/>
   </p:sldMasterIdLst>
   <p:notesMasterIdLst>
-    <p:notesMasterId r:id="rId26"/>
+    <p:notesMasterId r:id="rId30"/>
   </p:notesMasterIdLst>
   <p:sldIdLst>
     <p:sldId id="256" r:id="rId2"/>
@@ -22,16 +22,20 @@
     <p:sldId id="268" r:id="rId13"/>
     <p:sldId id="269" r:id="rId14"/>
     <p:sldId id="270" r:id="rId15"/>
-    <p:sldId id="271" r:id="rId16"/>
-    <p:sldId id="272" r:id="rId17"/>
-    <p:sldId id="275" r:id="rId18"/>
-    <p:sldId id="274" r:id="rId19"/>
-    <p:sldId id="273" r:id="rId20"/>
-    <p:sldId id="276" r:id="rId21"/>
-    <p:sldId id="277" r:id="rId22"/>
-    <p:sldId id="278" r:id="rId23"/>
-    <p:sldId id="280" r:id="rId24"/>
-    <p:sldId id="279" r:id="rId25"/>
+    <p:sldId id="272" r:id="rId16"/>
+    <p:sldId id="275" r:id="rId17"/>
+    <p:sldId id="274" r:id="rId18"/>
+    <p:sldId id="273" r:id="rId19"/>
+    <p:sldId id="276" r:id="rId20"/>
+    <p:sldId id="280" r:id="rId21"/>
+    <p:sldId id="281" r:id="rId22"/>
+    <p:sldId id="282" r:id="rId23"/>
+    <p:sldId id="283" r:id="rId24"/>
+    <p:sldId id="284" r:id="rId25"/>
+    <p:sldId id="285" r:id="rId26"/>
+    <p:sldId id="286" r:id="rId27"/>
+    <p:sldId id="287" r:id="rId28"/>
+    <p:sldId id="279" r:id="rId29"/>
   </p:sldIdLst>
   <p:sldSz cx="12192000" cy="6858000"/>
   <p:notesSz cx="6858000" cy="9144000"/>
@@ -130,6 +134,11 @@
       </a:defRPr>
     </a:lvl9pPr>
   </p:defaultTextStyle>
+  <p:extLst>
+    <p:ext uri="{EFAFB233-063F-42B5-8137-9DF3F51BA10A}">
+      <p15:sldGuideLst xmlns:p15="http://schemas.microsoft.com/office/powerpoint/2012/main"/>
+    </p:ext>
+  </p:extLst>
 </p:presentation>
 </file>
 
@@ -215,7 +224,7 @@
           <a:p>
             <a:fld id="{5D897EFC-E71E-C744-AA1F-AB39D68E19B2}" type="datetimeFigureOut">
               <a:rPr lang="en-US" smtClean="0"/>
-              <a:t>12/12/18</a:t>
+              <a:t>12/18/18</a:t>
             </a:fld>
             <a:endParaRPr lang="en-US"/>
           </a:p>
@@ -614,7 +623,7 @@
           <a:p>
             <a:fld id="{0B832301-B7E2-6546-AC3F-E044549F4775}" type="datetimeFigureOut">
               <a:rPr lang="en-US" smtClean="0"/>
-              <a:t>12/12/18</a:t>
+              <a:t>12/18/18</a:t>
             </a:fld>
             <a:endParaRPr lang="en-US"/>
           </a:p>
@@ -784,7 +793,7 @@
           <a:p>
             <a:fld id="{0B832301-B7E2-6546-AC3F-E044549F4775}" type="datetimeFigureOut">
               <a:rPr lang="en-US" smtClean="0"/>
-              <a:t>12/12/18</a:t>
+              <a:t>12/18/18</a:t>
             </a:fld>
             <a:endParaRPr lang="en-US"/>
           </a:p>
@@ -964,7 +973,7 @@
           <a:p>
             <a:fld id="{0B832301-B7E2-6546-AC3F-E044549F4775}" type="datetimeFigureOut">
               <a:rPr lang="en-US" smtClean="0"/>
-              <a:t>12/12/18</a:t>
+              <a:t>12/18/18</a:t>
             </a:fld>
             <a:endParaRPr lang="en-US"/>
           </a:p>
@@ -1134,7 +1143,7 @@
           <a:p>
             <a:fld id="{0B832301-B7E2-6546-AC3F-E044549F4775}" type="datetimeFigureOut">
               <a:rPr lang="en-US" smtClean="0"/>
-              <a:t>12/12/18</a:t>
+              <a:t>12/18/18</a:t>
             </a:fld>
             <a:endParaRPr lang="en-US"/>
           </a:p>
@@ -1380,7 +1389,7 @@
           <a:p>
             <a:fld id="{0B832301-B7E2-6546-AC3F-E044549F4775}" type="datetimeFigureOut">
               <a:rPr lang="en-US" smtClean="0"/>
-              <a:t>12/12/18</a:t>
+              <a:t>12/18/18</a:t>
             </a:fld>
             <a:endParaRPr lang="en-US"/>
           </a:p>
@@ -1612,7 +1621,7 @@
           <a:p>
             <a:fld id="{0B832301-B7E2-6546-AC3F-E044549F4775}" type="datetimeFigureOut">
               <a:rPr lang="en-US" smtClean="0"/>
-              <a:t>12/12/18</a:t>
+              <a:t>12/18/18</a:t>
             </a:fld>
             <a:endParaRPr lang="en-US"/>
           </a:p>
@@ -1979,7 +1988,7 @@
           <a:p>
             <a:fld id="{0B832301-B7E2-6546-AC3F-E044549F4775}" type="datetimeFigureOut">
               <a:rPr lang="en-US" smtClean="0"/>
-              <a:t>12/12/18</a:t>
+              <a:t>12/18/18</a:t>
             </a:fld>
             <a:endParaRPr lang="en-US"/>
           </a:p>
@@ -2097,7 +2106,7 @@
           <a:p>
             <a:fld id="{0B832301-B7E2-6546-AC3F-E044549F4775}" type="datetimeFigureOut">
               <a:rPr lang="en-US" smtClean="0"/>
-              <a:t>12/12/18</a:t>
+              <a:t>12/18/18</a:t>
             </a:fld>
             <a:endParaRPr lang="en-US"/>
           </a:p>
@@ -2192,7 +2201,7 @@
           <a:p>
             <a:fld id="{0B832301-B7E2-6546-AC3F-E044549F4775}" type="datetimeFigureOut">
               <a:rPr lang="en-US" smtClean="0"/>
-              <a:t>12/12/18</a:t>
+              <a:t>12/18/18</a:t>
             </a:fld>
             <a:endParaRPr lang="en-US"/>
           </a:p>
@@ -2469,7 +2478,7 @@
           <a:p>
             <a:fld id="{0B832301-B7E2-6546-AC3F-E044549F4775}" type="datetimeFigureOut">
               <a:rPr lang="en-US" smtClean="0"/>
-              <a:t>12/12/18</a:t>
+              <a:t>12/18/18</a:t>
             </a:fld>
             <a:endParaRPr lang="en-US"/>
           </a:p>
@@ -2722,7 +2731,7 @@
           <a:p>
             <a:fld id="{0B832301-B7E2-6546-AC3F-E044549F4775}" type="datetimeFigureOut">
               <a:rPr lang="en-US" smtClean="0"/>
-              <a:t>12/12/18</a:t>
+              <a:t>12/18/18</a:t>
             </a:fld>
             <a:endParaRPr lang="en-US"/>
           </a:p>
@@ -2935,7 +2944,7 @@
           <a:p>
             <a:fld id="{0B832301-B7E2-6546-AC3F-E044549F4775}" type="datetimeFigureOut">
               <a:rPr lang="en-US" smtClean="0"/>
-              <a:t>12/12/18</a:t>
+              <a:t>12/18/18</a:t>
             </a:fld>
             <a:endParaRPr lang="en-US"/>
           </a:p>
@@ -3459,10 +3468,10 @@
           <p:cNvPr id="9" name="Rectangle 8">
             <a:extLst>
               <a:ext uri="{FF2B5EF4-FFF2-40B4-BE49-F238E27FC236}">
-                <a16:creationId xmlns:a16="http://schemas.microsoft.com/office/drawing/2014/main" xmlns="" id="{6753252F-4873-4F63-801D-CC719279A7D5}"/>
+                <a16:creationId xmlns="" xmlns:a16="http://schemas.microsoft.com/office/drawing/2014/main" id="{6753252F-4873-4F63-801D-CC719279A7D5}"/>
               </a:ext>
               <a:ext uri="{C183D7F6-B498-43B3-948B-1728B52AA6E4}">
-                <adec:decorative xmlns:adec="http://schemas.microsoft.com/office/drawing/2017/decorative" xmlns="" val="1"/>
+                <adec:decorative xmlns="" xmlns:adec="http://schemas.microsoft.com/office/drawing/2017/decorative" val="1"/>
               </a:ext>
             </a:extLst>
           </p:cNvPr>
@@ -3522,10 +3531,10 @@
           <p:cNvPr id="11" name="Rectangle 10">
             <a:extLst>
               <a:ext uri="{FF2B5EF4-FFF2-40B4-BE49-F238E27FC236}">
-                <a16:creationId xmlns:a16="http://schemas.microsoft.com/office/drawing/2014/main" xmlns="" id="{047C8CCB-F95D-4249-92DD-651249D3535A}"/>
+                <a16:creationId xmlns="" xmlns:a16="http://schemas.microsoft.com/office/drawing/2014/main" id="{047C8CCB-F95D-4249-92DD-651249D3535A}"/>
               </a:ext>
               <a:ext uri="{C183D7F6-B498-43B3-948B-1728B52AA6E4}">
-                <adec:decorative xmlns:adec="http://schemas.microsoft.com/office/drawing/2017/decorative" xmlns="" val="1"/>
+                <adec:decorative xmlns="" xmlns:adec="http://schemas.microsoft.com/office/drawing/2017/decorative" val="1"/>
               </a:ext>
             </a:extLst>
           </p:cNvPr>
@@ -3755,10 +3764,10 @@
           <p:cNvPr id="9" name="Rectangle 8">
             <a:extLst>
               <a:ext uri="{FF2B5EF4-FFF2-40B4-BE49-F238E27FC236}">
-                <a16:creationId xmlns:a16="http://schemas.microsoft.com/office/drawing/2014/main" xmlns="" id="{6753252F-4873-4F63-801D-CC719279A7D5}"/>
+                <a16:creationId xmlns="" xmlns:a16="http://schemas.microsoft.com/office/drawing/2014/main" id="{6753252F-4873-4F63-801D-CC719279A7D5}"/>
               </a:ext>
               <a:ext uri="{C183D7F6-B498-43B3-948B-1728B52AA6E4}">
-                <adec:decorative xmlns:adec="http://schemas.microsoft.com/office/drawing/2017/decorative" xmlns="" val="1"/>
+                <adec:decorative xmlns="" xmlns:adec="http://schemas.microsoft.com/office/drawing/2017/decorative" val="1"/>
               </a:ext>
             </a:extLst>
           </p:cNvPr>
@@ -3818,10 +3827,10 @@
           <p:cNvPr id="11" name="Rectangle 10">
             <a:extLst>
               <a:ext uri="{FF2B5EF4-FFF2-40B4-BE49-F238E27FC236}">
-                <a16:creationId xmlns:a16="http://schemas.microsoft.com/office/drawing/2014/main" xmlns="" id="{047C8CCB-F95D-4249-92DD-651249D3535A}"/>
+                <a16:creationId xmlns="" xmlns:a16="http://schemas.microsoft.com/office/drawing/2014/main" id="{047C8CCB-F95D-4249-92DD-651249D3535A}"/>
               </a:ext>
               <a:ext uri="{C183D7F6-B498-43B3-948B-1728B52AA6E4}">
-                <adec:decorative xmlns:adec="http://schemas.microsoft.com/office/drawing/2017/decorative" xmlns="" val="1"/>
+                <adec:decorative xmlns="" xmlns:adec="http://schemas.microsoft.com/office/drawing/2017/decorative" val="1"/>
               </a:ext>
             </a:extLst>
           </p:cNvPr>
@@ -4052,10 +4061,10 @@
           <p:cNvPr id="9" name="Rectangle 8">
             <a:extLst>
               <a:ext uri="{FF2B5EF4-FFF2-40B4-BE49-F238E27FC236}">
-                <a16:creationId xmlns:a16="http://schemas.microsoft.com/office/drawing/2014/main" xmlns="" id="{6753252F-4873-4F63-801D-CC719279A7D5}"/>
+                <a16:creationId xmlns="" xmlns:a16="http://schemas.microsoft.com/office/drawing/2014/main" id="{6753252F-4873-4F63-801D-CC719279A7D5}"/>
               </a:ext>
               <a:ext uri="{C183D7F6-B498-43B3-948B-1728B52AA6E4}">
-                <adec:decorative xmlns:adec="http://schemas.microsoft.com/office/drawing/2017/decorative" xmlns="" val="1"/>
+                <adec:decorative xmlns="" xmlns:adec="http://schemas.microsoft.com/office/drawing/2017/decorative" val="1"/>
               </a:ext>
             </a:extLst>
           </p:cNvPr>
@@ -4115,10 +4124,10 @@
           <p:cNvPr id="11" name="Rectangle 10">
             <a:extLst>
               <a:ext uri="{FF2B5EF4-FFF2-40B4-BE49-F238E27FC236}">
-                <a16:creationId xmlns:a16="http://schemas.microsoft.com/office/drawing/2014/main" xmlns="" id="{047C8CCB-F95D-4249-92DD-651249D3535A}"/>
+                <a16:creationId xmlns="" xmlns:a16="http://schemas.microsoft.com/office/drawing/2014/main" id="{047C8CCB-F95D-4249-92DD-651249D3535A}"/>
               </a:ext>
               <a:ext uri="{C183D7F6-B498-43B3-948B-1728B52AA6E4}">
-                <adec:decorative xmlns:adec="http://schemas.microsoft.com/office/drawing/2017/decorative" xmlns="" val="1"/>
+                <adec:decorative xmlns="" xmlns:adec="http://schemas.microsoft.com/office/drawing/2017/decorative" val="1"/>
               </a:ext>
             </a:extLst>
           </p:cNvPr>
@@ -4370,10 +4379,10 @@
           <p:cNvPr id="11" name="Rectangle 10">
             <a:extLst>
               <a:ext uri="{FF2B5EF4-FFF2-40B4-BE49-F238E27FC236}">
-                <a16:creationId xmlns:a16="http://schemas.microsoft.com/office/drawing/2014/main" xmlns="" id="{6753252F-4873-4F63-801D-CC719279A7D5}"/>
+                <a16:creationId xmlns="" xmlns:a16="http://schemas.microsoft.com/office/drawing/2014/main" id="{6753252F-4873-4F63-801D-CC719279A7D5}"/>
               </a:ext>
               <a:ext uri="{C183D7F6-B498-43B3-948B-1728B52AA6E4}">
-                <adec:decorative xmlns:adec="http://schemas.microsoft.com/office/drawing/2017/decorative" xmlns="" val="1"/>
+                <adec:decorative xmlns="" xmlns:adec="http://schemas.microsoft.com/office/drawing/2017/decorative" val="1"/>
               </a:ext>
             </a:extLst>
           </p:cNvPr>
@@ -4433,10 +4442,10 @@
           <p:cNvPr id="13" name="Rectangle 12">
             <a:extLst>
               <a:ext uri="{FF2B5EF4-FFF2-40B4-BE49-F238E27FC236}">
-                <a16:creationId xmlns:a16="http://schemas.microsoft.com/office/drawing/2014/main" xmlns="" id="{047C8CCB-F95D-4249-92DD-651249D3535A}"/>
+                <a16:creationId xmlns="" xmlns:a16="http://schemas.microsoft.com/office/drawing/2014/main" id="{047C8CCB-F95D-4249-92DD-651249D3535A}"/>
               </a:ext>
               <a:ext uri="{C183D7F6-B498-43B3-948B-1728B52AA6E4}">
-                <adec:decorative xmlns:adec="http://schemas.microsoft.com/office/drawing/2017/decorative" xmlns="" val="1"/>
+                <adec:decorative xmlns="" xmlns:adec="http://schemas.microsoft.com/office/drawing/2017/decorative" val="1"/>
               </a:ext>
             </a:extLst>
           </p:cNvPr>
@@ -4667,10 +4676,10 @@
           <p:cNvPr id="9" name="Rectangle 8">
             <a:extLst>
               <a:ext uri="{FF2B5EF4-FFF2-40B4-BE49-F238E27FC236}">
-                <a16:creationId xmlns:a16="http://schemas.microsoft.com/office/drawing/2014/main" xmlns="" id="{6753252F-4873-4F63-801D-CC719279A7D5}"/>
+                <a16:creationId xmlns="" xmlns:a16="http://schemas.microsoft.com/office/drawing/2014/main" id="{6753252F-4873-4F63-801D-CC719279A7D5}"/>
               </a:ext>
               <a:ext uri="{C183D7F6-B498-43B3-948B-1728B52AA6E4}">
-                <adec:decorative xmlns:adec="http://schemas.microsoft.com/office/drawing/2017/decorative" xmlns="" val="1"/>
+                <adec:decorative xmlns="" xmlns:adec="http://schemas.microsoft.com/office/drawing/2017/decorative" val="1"/>
               </a:ext>
             </a:extLst>
           </p:cNvPr>
@@ -4730,10 +4739,10 @@
           <p:cNvPr id="11" name="Rectangle 10">
             <a:extLst>
               <a:ext uri="{FF2B5EF4-FFF2-40B4-BE49-F238E27FC236}">
-                <a16:creationId xmlns:a16="http://schemas.microsoft.com/office/drawing/2014/main" xmlns="" id="{047C8CCB-F95D-4249-92DD-651249D3535A}"/>
+                <a16:creationId xmlns="" xmlns:a16="http://schemas.microsoft.com/office/drawing/2014/main" id="{047C8CCB-F95D-4249-92DD-651249D3535A}"/>
               </a:ext>
               <a:ext uri="{C183D7F6-B498-43B3-948B-1728B52AA6E4}">
-                <adec:decorative xmlns:adec="http://schemas.microsoft.com/office/drawing/2017/decorative" xmlns="" val="1"/>
+                <adec:decorative xmlns="" xmlns:adec="http://schemas.microsoft.com/office/drawing/2017/decorative" val="1"/>
               </a:ext>
             </a:extLst>
           </p:cNvPr>
@@ -4958,14 +4967,6 @@
 <file path=ppt/slides/slide15.xml><?xml version="1.0" encoding="utf-8"?>
 <p:sld xmlns:a="http://schemas.openxmlformats.org/drawingml/2006/main" xmlns:r="http://schemas.openxmlformats.org/officeDocument/2006/relationships" xmlns:p="http://schemas.openxmlformats.org/presentationml/2006/main">
   <p:cSld>
-    <p:bg>
-      <p:bgPr>
-        <a:solidFill>
-          <a:schemeClr val="bg1"/>
-        </a:solidFill>
-        <a:effectLst/>
-      </p:bgPr>
-    </p:bg>
     <p:spTree>
       <p:nvGrpSpPr>
         <p:cNvPr id="1" name=""/>
@@ -4982,132 +4983,6 @@
       </p:grpSpPr>
       <p:sp>
         <p:nvSpPr>
-          <p:cNvPr id="9" name="Rectangle 8">
-            <a:extLst>
-              <a:ext uri="{FF2B5EF4-FFF2-40B4-BE49-F238E27FC236}">
-                <a16:creationId xmlns:a16="http://schemas.microsoft.com/office/drawing/2014/main" xmlns="" id="{6753252F-4873-4F63-801D-CC719279A7D5}"/>
-              </a:ext>
-              <a:ext uri="{C183D7F6-B498-43B3-948B-1728B52AA6E4}">
-                <adec:decorative xmlns:adec="http://schemas.microsoft.com/office/drawing/2017/decorative" xmlns="" val="1"/>
-              </a:ext>
-            </a:extLst>
-          </p:cNvPr>
-          <p:cNvSpPr>
-            <a:spLocks noGrp="1" noRot="1" noChangeAspect="1" noMove="1" noResize="1" noEditPoints="1" noAdjustHandles="1" noChangeArrowheads="1" noChangeShapeType="1" noTextEdit="1"/>
-          </p:cNvSpPr>
-          <p:nvPr>
-            <p:extLst>
-              <p:ext uri="{386F3935-93C4-4BCD-93E2-E3B085C9AB24}">
-                <p16:designElem xmlns:p16="http://schemas.microsoft.com/office/powerpoint/2015/main" val="1"/>
-              </p:ext>
-            </p:extLst>
-          </p:nvPr>
-        </p:nvSpPr>
-        <p:spPr>
-          <a:xfrm>
-            <a:off x="0" y="0"/>
-            <a:ext cx="12192000" cy="6858000"/>
-          </a:xfrm>
-          <a:prstGeom prst="rect">
-            <a:avLst/>
-          </a:prstGeom>
-          <a:solidFill>
-            <a:srgbClr val="FFFFFF"/>
-          </a:solidFill>
-          <a:ln>
-            <a:noFill/>
-          </a:ln>
-        </p:spPr>
-        <p:style>
-          <a:lnRef idx="2">
-            <a:schemeClr val="accent1">
-              <a:shade val="50000"/>
-            </a:schemeClr>
-          </a:lnRef>
-          <a:fillRef idx="1">
-            <a:schemeClr val="accent1"/>
-          </a:fillRef>
-          <a:effectRef idx="0">
-            <a:schemeClr val="accent1"/>
-          </a:effectRef>
-          <a:fontRef idx="minor">
-            <a:schemeClr val="lt1"/>
-          </a:fontRef>
-        </p:style>
-        <p:txBody>
-          <a:bodyPr rtlCol="0" anchor="ctr"/>
-          <a:lstStyle/>
-          <a:p>
-            <a:pPr algn="ctr"/>
-            <a:endParaRPr lang="en-US"/>
-          </a:p>
-        </p:txBody>
-      </p:sp>
-      <p:sp>
-        <p:nvSpPr>
-          <p:cNvPr id="11" name="Rectangle 10">
-            <a:extLst>
-              <a:ext uri="{FF2B5EF4-FFF2-40B4-BE49-F238E27FC236}">
-                <a16:creationId xmlns:a16="http://schemas.microsoft.com/office/drawing/2014/main" xmlns="" id="{047C8CCB-F95D-4249-92DD-651249D3535A}"/>
-              </a:ext>
-              <a:ext uri="{C183D7F6-B498-43B3-948B-1728B52AA6E4}">
-                <adec:decorative xmlns:adec="http://schemas.microsoft.com/office/drawing/2017/decorative" xmlns="" val="1"/>
-              </a:ext>
-            </a:extLst>
-          </p:cNvPr>
-          <p:cNvSpPr>
-            <a:spLocks noGrp="1" noRot="1" noChangeAspect="1" noMove="1" noResize="1" noEditPoints="1" noAdjustHandles="1" noChangeArrowheads="1" noChangeShapeType="1" noTextEdit="1"/>
-          </p:cNvSpPr>
-          <p:nvPr>
-            <p:extLst>
-              <p:ext uri="{386F3935-93C4-4BCD-93E2-E3B085C9AB24}">
-                <p16:designElem xmlns:p16="http://schemas.microsoft.com/office/powerpoint/2015/main" val="1"/>
-              </p:ext>
-            </p:extLst>
-          </p:nvPr>
-        </p:nvSpPr>
-        <p:spPr>
-          <a:xfrm>
-            <a:off x="0" y="0"/>
-            <a:ext cx="2013557" cy="6858000"/>
-          </a:xfrm>
-          <a:prstGeom prst="rect">
-            <a:avLst/>
-          </a:prstGeom>
-          <a:solidFill>
-            <a:srgbClr val="7F7F7F"/>
-          </a:solidFill>
-          <a:ln>
-            <a:noFill/>
-          </a:ln>
-        </p:spPr>
-        <p:style>
-          <a:lnRef idx="2">
-            <a:schemeClr val="accent1">
-              <a:shade val="50000"/>
-            </a:schemeClr>
-          </a:lnRef>
-          <a:fillRef idx="1">
-            <a:schemeClr val="accent1"/>
-          </a:fillRef>
-          <a:effectRef idx="0">
-            <a:schemeClr val="accent1"/>
-          </a:effectRef>
-          <a:fontRef idx="minor">
-            <a:schemeClr val="lt1"/>
-          </a:fontRef>
-        </p:style>
-        <p:txBody>
-          <a:bodyPr rtlCol="0" anchor="ctr"/>
-          <a:lstStyle/>
-          <a:p>
-            <a:pPr algn="ctr"/>
-            <a:endParaRPr lang="en-US"/>
-          </a:p>
-        </p:txBody>
-      </p:sp>
-      <p:sp>
-        <p:nvSpPr>
           <p:cNvPr id="2" name="Title 1"/>
           <p:cNvSpPr>
             <a:spLocks noGrp="1"/>
@@ -5118,162 +4993,28 @@
         </p:nvSpPr>
         <p:spPr>
           <a:xfrm>
-            <a:off x="640080" y="2074363"/>
-            <a:ext cx="2752354" cy="2709275"/>
-          </a:xfrm>
-          <a:prstGeom prst="ellipse">
-            <a:avLst/>
-          </a:prstGeom>
-          <a:solidFill>
-            <a:srgbClr val="262626"/>
-          </a:solidFill>
-          <a:ln w="174625" cmpd="thinThick">
-            <a:solidFill>
-              <a:srgbClr val="262626"/>
-            </a:solidFill>
-          </a:ln>
-        </p:spPr>
-        <p:txBody>
-          <a:bodyPr vert="horz" lIns="91440" tIns="45720" rIns="91440" bIns="45720" rtlCol="0" anchor="ctr">
+            <a:off x="838200" y="3048948"/>
+            <a:ext cx="10515600" cy="1325563"/>
+          </a:xfrm>
+        </p:spPr>
+        <p:txBody>
+          <a:bodyPr>
             <a:normAutofit/>
           </a:bodyPr>
           <a:lstStyle/>
           <a:p>
-            <a:pPr algn="ctr"/>
-            <a:r>
-              <a:rPr lang="en-US" sz="2600" kern="1200" dirty="0" err="1" smtClean="0">
-                <a:solidFill>
-                  <a:srgbClr val="FFFFFF"/>
-                </a:solidFill>
-                <a:latin typeface="+mj-lt"/>
-                <a:ea typeface="+mj-ea"/>
-                <a:cs typeface="+mj-cs"/>
-              </a:rPr>
-              <a:t>Jumlah</a:t>
-            </a:r>
-            <a:r>
-              <a:rPr lang="en-US" sz="2600" kern="1200" dirty="0" smtClean="0">
-                <a:solidFill>
-                  <a:srgbClr val="FFFFFF"/>
-                </a:solidFill>
-                <a:latin typeface="+mj-lt"/>
-                <a:ea typeface="+mj-ea"/>
-                <a:cs typeface="+mj-cs"/>
-              </a:rPr>
-              <a:t> </a:t>
-            </a:r>
-            <a:r>
-              <a:rPr lang="en-US" sz="2600" kern="1200" dirty="0" err="1" smtClean="0">
-                <a:solidFill>
-                  <a:srgbClr val="FFFFFF"/>
-                </a:solidFill>
-                <a:latin typeface="+mj-lt"/>
-                <a:ea typeface="+mj-ea"/>
-                <a:cs typeface="+mj-cs"/>
-              </a:rPr>
-              <a:t>permintaan</a:t>
-            </a:r>
-            <a:r>
-              <a:rPr lang="en-US" sz="2600" kern="1200" dirty="0" smtClean="0">
-                <a:solidFill>
-                  <a:srgbClr val="FFFFFF"/>
-                </a:solidFill>
-                <a:latin typeface="+mj-lt"/>
-                <a:ea typeface="+mj-ea"/>
-                <a:cs typeface="+mj-cs"/>
-              </a:rPr>
-              <a:t> di </a:t>
-            </a:r>
-            <a:r>
-              <a:rPr lang="en-US" sz="2600" kern="1200" dirty="0" err="1" smtClean="0">
-                <a:solidFill>
-                  <a:srgbClr val="FFFFFF"/>
-                </a:solidFill>
-                <a:latin typeface="+mj-lt"/>
-                <a:ea typeface="+mj-ea"/>
-                <a:cs typeface="+mj-cs"/>
-              </a:rPr>
-              <a:t>setiap</a:t>
-            </a:r>
-            <a:r>
-              <a:rPr lang="en-US" sz="2600" dirty="0">
-                <a:solidFill>
-                  <a:srgbClr val="FFFFFF"/>
-                </a:solidFill>
-              </a:rPr>
-              <a:t> </a:t>
-            </a:r>
-            <a:r>
-              <a:rPr lang="en-US" sz="2600" dirty="0" err="1" smtClean="0">
-                <a:solidFill>
-                  <a:srgbClr val="FFFFFF"/>
-                </a:solidFill>
-              </a:rPr>
-              <a:t>keadaan</a:t>
-            </a:r>
-            <a:r>
-              <a:rPr lang="en-US" sz="2600" dirty="0" smtClean="0">
-                <a:solidFill>
-                  <a:srgbClr val="FFFFFF"/>
-                </a:solidFill>
-              </a:rPr>
-              <a:t> </a:t>
-            </a:r>
-            <a:r>
-              <a:rPr lang="en-US" sz="2600" dirty="0" err="1" smtClean="0">
-                <a:solidFill>
-                  <a:srgbClr val="FFFFFF"/>
-                </a:solidFill>
-              </a:rPr>
-              <a:t>temperatur</a:t>
-            </a:r>
-            <a:endParaRPr lang="en-US" sz="2600" kern="1200" dirty="0">
-              <a:solidFill>
-                <a:srgbClr val="FFFFFF"/>
-              </a:solidFill>
-              <a:latin typeface="+mj-lt"/>
-              <a:ea typeface="+mj-ea"/>
-              <a:cs typeface="+mj-cs"/>
-            </a:endParaRPr>
-          </a:p>
-        </p:txBody>
-      </p:sp>
-      <p:pic>
-        <p:nvPicPr>
-          <p:cNvPr id="4" name="Content Placeholder 3"/>
-          <p:cNvPicPr>
-            <a:picLocks noGrp="1" noChangeAspect="1"/>
-          </p:cNvPicPr>
-          <p:nvPr>
-            <p:ph idx="1"/>
-          </p:nvPr>
-        </p:nvPicPr>
-        <p:blipFill>
-          <a:blip r:embed="rId2">
-            <a:extLst>
-              <a:ext uri="{28A0092B-C50C-407E-A947-70E740481C1C}">
-                <a14:useLocalDpi xmlns:a14="http://schemas.microsoft.com/office/drawing/2010/main" val="0"/>
-              </a:ext>
-            </a:extLst>
-          </a:blip>
-          <a:stretch>
-            <a:fillRect/>
-          </a:stretch>
-        </p:blipFill>
-        <p:spPr>
-          <a:xfrm>
-            <a:off x="4038600" y="1154037"/>
-            <a:ext cx="7188199" cy="4546536"/>
-          </a:xfrm>
-          <a:prstGeom prst="rect">
-            <a:avLst/>
-          </a:prstGeom>
-        </p:spPr>
-      </p:pic>
+            <a:r>
+              <a:rPr lang="en-US" sz="3200" b="1" dirty="0" smtClean="0"/>
+              <a:t>Preprocessing Data</a:t>
+            </a:r>
+            <a:endParaRPr lang="en-US" sz="3200" b="1" dirty="0"/>
+          </a:p>
+        </p:txBody>
+      </p:sp>
     </p:spTree>
     <p:extLst>
       <p:ext uri="{BB962C8B-B14F-4D97-AF65-F5344CB8AC3E}">
-        <p14:creationId xmlns:p14="http://schemas.microsoft.com/office/powerpoint/2010/main" val="3438456624"/>
+        <p14:creationId xmlns:p14="http://schemas.microsoft.com/office/powerpoint/2010/main" val="1374453684"/>
       </p:ext>
     </p:extLst>
   </p:cSld>
@@ -5310,12 +5051,7 @@
             <p:ph type="title"/>
           </p:nvPr>
         </p:nvSpPr>
-        <p:spPr>
-          <a:xfrm>
-            <a:off x="838200" y="3048948"/>
-            <a:ext cx="10515600" cy="1325563"/>
-          </a:xfrm>
-        </p:spPr>
+        <p:spPr/>
         <p:txBody>
           <a:bodyPr>
             <a:normAutofit/>
@@ -5323,23 +5059,79 @@
           <a:lstStyle/>
           <a:p>
             <a:r>
-              <a:rPr lang="en-US" sz="3200" b="1" dirty="0" smtClean="0"/>
-              <a:t>Preprocessing Data</a:t>
-            </a:r>
-            <a:endParaRPr lang="en-US" sz="3200" b="1" dirty="0"/>
-          </a:p>
-        </p:txBody>
-      </p:sp>
+              <a:rPr lang="en-US" sz="3200" dirty="0" smtClean="0"/>
+              <a:t>Extract Season Dummy Variable</a:t>
+            </a:r>
+            <a:endParaRPr lang="en-US" sz="3200" dirty="0"/>
+          </a:p>
+        </p:txBody>
+      </p:sp>
+      <p:sp>
+        <p:nvSpPr>
+          <p:cNvPr id="3" name="Content Placeholder 2"/>
+          <p:cNvSpPr>
+            <a:spLocks noGrp="1"/>
+          </p:cNvSpPr>
+          <p:nvPr>
+            <p:ph idx="1"/>
+          </p:nvPr>
+        </p:nvSpPr>
+        <p:spPr/>
+        <p:txBody>
+          <a:bodyPr/>
+          <a:lstStyle/>
+          <a:p>
+            <a:endParaRPr lang="en-US"/>
+          </a:p>
+        </p:txBody>
+      </p:sp>
+      <p:pic>
+        <p:nvPicPr>
+          <p:cNvPr id="4" name="Content Placeholder 3"/>
+          <p:cNvPicPr>
+            <a:picLocks noChangeAspect="1"/>
+          </p:cNvPicPr>
+          <p:nvPr/>
+        </p:nvPicPr>
+        <p:blipFill>
+          <a:blip r:embed="rId2">
+            <a:extLst>
+              <a:ext uri="{28A0092B-C50C-407E-A947-70E740481C1C}">
+                <a14:useLocalDpi xmlns:a14="http://schemas.microsoft.com/office/drawing/2010/main" val="0"/>
+              </a:ext>
+            </a:extLst>
+          </a:blip>
+          <a:stretch>
+            <a:fillRect/>
+          </a:stretch>
+        </p:blipFill>
+        <p:spPr>
+          <a:xfrm>
+            <a:off x="1047750" y="2319338"/>
+            <a:ext cx="10096500" cy="2819400"/>
+          </a:xfrm>
+          <a:prstGeom prst="rect">
+            <a:avLst/>
+          </a:prstGeom>
+        </p:spPr>
+      </p:pic>
     </p:spTree>
     <p:extLst>
       <p:ext uri="{BB962C8B-B14F-4D97-AF65-F5344CB8AC3E}">
-        <p14:creationId xmlns:p14="http://schemas.microsoft.com/office/powerpoint/2010/main" val="1374453684"/>
+        <p14:creationId xmlns:p14="http://schemas.microsoft.com/office/powerpoint/2010/main" val="1521363045"/>
       </p:ext>
     </p:extLst>
   </p:cSld>
   <p:clrMapOvr>
     <a:masterClrMapping/>
   </p:clrMapOvr>
+  <p:timing>
+    <p:tnLst>
+      <p:par>
+        <p:cTn id="1" dur="indefinite" restart="never" nodeType="tmRoot"/>
+      </p:par>
+    </p:tnLst>
+  </p:timing>
 </p:sld>
 </file>
 
@@ -5379,28 +5171,9 @@
           <a:p>
             <a:r>
               <a:rPr lang="en-US" sz="3200" dirty="0" smtClean="0"/>
-              <a:t>Extract Season Dummy Variable</a:t>
+              <a:t>Extract Weather Dummy Variable</a:t>
             </a:r>
             <a:endParaRPr lang="en-US" sz="3200" dirty="0"/>
-          </a:p>
-        </p:txBody>
-      </p:sp>
-      <p:sp>
-        <p:nvSpPr>
-          <p:cNvPr id="3" name="Content Placeholder 2"/>
-          <p:cNvSpPr>
-            <a:spLocks noGrp="1"/>
-          </p:cNvSpPr>
-          <p:nvPr>
-            <p:ph idx="1"/>
-          </p:nvPr>
-        </p:nvSpPr>
-        <p:spPr/>
-        <p:txBody>
-          <a:bodyPr/>
-          <a:lstStyle/>
-          <a:p>
-            <a:endParaRPr lang="en-US"/>
           </a:p>
         </p:txBody>
       </p:sp>
@@ -5408,9 +5181,11 @@
         <p:nvPicPr>
           <p:cNvPr id="4" name="Content Placeholder 3"/>
           <p:cNvPicPr>
-            <a:picLocks noChangeAspect="1"/>
+            <a:picLocks noGrp="1" noChangeAspect="1"/>
           </p:cNvPicPr>
-          <p:nvPr/>
+          <p:nvPr>
+            <p:ph idx="1"/>
+          </p:nvPr>
         </p:nvPicPr>
         <p:blipFill>
           <a:blip r:embed="rId2">
@@ -5426,18 +5201,15 @@
         </p:blipFill>
         <p:spPr>
           <a:xfrm>
-            <a:off x="1047750" y="2319338"/>
-            <a:ext cx="10096500" cy="2819400"/>
-          </a:xfrm>
-          <a:prstGeom prst="rect">
-            <a:avLst/>
-          </a:prstGeom>
+            <a:off x="990600" y="2073748"/>
+            <a:ext cx="10210800" cy="2184400"/>
+          </a:xfrm>
         </p:spPr>
       </p:pic>
     </p:spTree>
     <p:extLst>
       <p:ext uri="{BB962C8B-B14F-4D97-AF65-F5344CB8AC3E}">
-        <p14:creationId xmlns:p14="http://schemas.microsoft.com/office/powerpoint/2010/main" val="1521363045"/>
+        <p14:creationId xmlns:p14="http://schemas.microsoft.com/office/powerpoint/2010/main" val="40737534"/>
       </p:ext>
     </p:extLst>
   </p:cSld>
@@ -5490,7 +5262,15 @@
           <a:p>
             <a:r>
               <a:rPr lang="en-US" sz="3200" dirty="0" smtClean="0"/>
-              <a:t>Extract Weather Dummy Variable</a:t>
+              <a:t>Extract </a:t>
+            </a:r>
+            <a:r>
+              <a:rPr lang="en-US" sz="3200" dirty="0" err="1" smtClean="0"/>
+              <a:t>Datetime</a:t>
+            </a:r>
+            <a:r>
+              <a:rPr lang="en-US" sz="3200" dirty="0" smtClean="0"/>
+              <a:t> Variable</a:t>
             </a:r>
             <a:endParaRPr lang="en-US" sz="3200" dirty="0"/>
           </a:p>
@@ -5520,15 +5300,45 @@
         </p:blipFill>
         <p:spPr>
           <a:xfrm>
-            <a:off x="990600" y="2073748"/>
-            <a:ext cx="10210800" cy="2184400"/>
-          </a:xfrm>
+            <a:off x="2273300" y="1995209"/>
+            <a:ext cx="7645400" cy="1689100"/>
+          </a:xfrm>
+        </p:spPr>
+      </p:pic>
+      <p:pic>
+        <p:nvPicPr>
+          <p:cNvPr id="5" name="Picture 4"/>
+          <p:cNvPicPr>
+            <a:picLocks noChangeAspect="1"/>
+          </p:cNvPicPr>
+          <p:nvPr/>
+        </p:nvPicPr>
+        <p:blipFill>
+          <a:blip r:embed="rId3">
+            <a:extLst>
+              <a:ext uri="{28A0092B-C50C-407E-A947-70E740481C1C}">
+                <a14:useLocalDpi xmlns:a14="http://schemas.microsoft.com/office/drawing/2010/main" val="0"/>
+              </a:ext>
+            </a:extLst>
+          </a:blip>
+          <a:stretch>
+            <a:fillRect/>
+          </a:stretch>
+        </p:blipFill>
+        <p:spPr>
+          <a:xfrm>
+            <a:off x="1885950" y="4192545"/>
+            <a:ext cx="8420100" cy="1663700"/>
+          </a:xfrm>
+          <a:prstGeom prst="rect">
+            <a:avLst/>
+          </a:prstGeom>
         </p:spPr>
       </p:pic>
     </p:spTree>
     <p:extLst>
       <p:ext uri="{BB962C8B-B14F-4D97-AF65-F5344CB8AC3E}">
-        <p14:creationId xmlns:p14="http://schemas.microsoft.com/office/powerpoint/2010/main" val="40737534"/>
+        <p14:creationId xmlns:p14="http://schemas.microsoft.com/office/powerpoint/2010/main" val="883042793"/>
       </p:ext>
     </p:extLst>
   </p:cSld>
@@ -5572,7 +5382,12 @@
             <p:ph type="title"/>
           </p:nvPr>
         </p:nvSpPr>
-        <p:spPr/>
+        <p:spPr>
+          <a:xfrm>
+            <a:off x="838200" y="3338512"/>
+            <a:ext cx="10515600" cy="1325563"/>
+          </a:xfrm>
+        </p:spPr>
         <p:txBody>
           <a:bodyPr>
             <a:normAutofit/>
@@ -5580,84 +5395,17 @@
           <a:lstStyle/>
           <a:p>
             <a:r>
-              <a:rPr lang="en-US" sz="3200" dirty="0" smtClean="0"/>
-              <a:t>Extract </a:t>
-            </a:r>
-            <a:r>
-              <a:rPr lang="en-US" sz="3200" dirty="0" err="1" smtClean="0"/>
-              <a:t>Datetime</a:t>
-            </a:r>
-            <a:r>
-              <a:rPr lang="en-US" sz="3200" dirty="0" smtClean="0"/>
-              <a:t> Variable</a:t>
-            </a:r>
-            <a:endParaRPr lang="en-US" sz="3200" dirty="0"/>
-          </a:p>
-        </p:txBody>
-      </p:sp>
-      <p:pic>
-        <p:nvPicPr>
-          <p:cNvPr id="4" name="Content Placeholder 3"/>
-          <p:cNvPicPr>
-            <a:picLocks noGrp="1" noChangeAspect="1"/>
-          </p:cNvPicPr>
-          <p:nvPr>
-            <p:ph idx="1"/>
-          </p:nvPr>
-        </p:nvPicPr>
-        <p:blipFill>
-          <a:blip r:embed="rId2">
-            <a:extLst>
-              <a:ext uri="{28A0092B-C50C-407E-A947-70E740481C1C}">
-                <a14:useLocalDpi xmlns:a14="http://schemas.microsoft.com/office/drawing/2010/main" val="0"/>
-              </a:ext>
-            </a:extLst>
-          </a:blip>
-          <a:stretch>
-            <a:fillRect/>
-          </a:stretch>
-        </p:blipFill>
-        <p:spPr>
-          <a:xfrm>
-            <a:off x="2273300" y="1995209"/>
-            <a:ext cx="7645400" cy="1689100"/>
-          </a:xfrm>
-        </p:spPr>
-      </p:pic>
-      <p:pic>
-        <p:nvPicPr>
-          <p:cNvPr id="5" name="Picture 4"/>
-          <p:cNvPicPr>
-            <a:picLocks noChangeAspect="1"/>
-          </p:cNvPicPr>
-          <p:nvPr/>
-        </p:nvPicPr>
-        <p:blipFill>
-          <a:blip r:embed="rId3">
-            <a:extLst>
-              <a:ext uri="{28A0092B-C50C-407E-A947-70E740481C1C}">
-                <a14:useLocalDpi xmlns:a14="http://schemas.microsoft.com/office/drawing/2010/main" val="0"/>
-              </a:ext>
-            </a:extLst>
-          </a:blip>
-          <a:stretch>
-            <a:fillRect/>
-          </a:stretch>
-        </p:blipFill>
-        <p:spPr>
-          <a:xfrm>
-            <a:off x="1885950" y="4192545"/>
-            <a:ext cx="8420100" cy="1663700"/>
-          </a:xfrm>
-          <a:prstGeom prst="rect">
-            <a:avLst/>
-          </a:prstGeom>
-        </p:spPr>
-      </p:pic>
+              <a:rPr lang="en-US" sz="3200" b="1" dirty="0" smtClean="0"/>
+              <a:t>Regression Process</a:t>
+            </a:r>
+            <a:endParaRPr lang="en-US" sz="3200" b="1" dirty="0"/>
+          </a:p>
+        </p:txBody>
+      </p:sp>
     </p:spTree>
     <p:extLst>
       <p:ext uri="{BB962C8B-B14F-4D97-AF65-F5344CB8AC3E}">
-        <p14:creationId xmlns:p14="http://schemas.microsoft.com/office/powerpoint/2010/main" val="883042793"/>
+        <p14:creationId xmlns:p14="http://schemas.microsoft.com/office/powerpoint/2010/main" val="163925841"/>
       </p:ext>
     </p:extLst>
   </p:cSld>
@@ -5954,51 +5702,67 @@
       </p:grpSpPr>
       <p:sp>
         <p:nvSpPr>
-          <p:cNvPr id="2" name="Title 1"/>
-          <p:cNvSpPr>
-            <a:spLocks noGrp="1"/>
-          </p:cNvSpPr>
-          <p:nvPr>
-            <p:ph type="title"/>
-          </p:nvPr>
-        </p:nvSpPr>
-        <p:spPr>
-          <a:xfrm>
-            <a:off x="838200" y="3338512"/>
-            <a:ext cx="10515600" cy="1325563"/>
-          </a:xfrm>
-        </p:spPr>
-        <p:txBody>
-          <a:bodyPr>
-            <a:normAutofit/>
-          </a:bodyPr>
-          <a:lstStyle/>
-          <a:p>
-            <a:r>
-              <a:rPr lang="en-US" sz="3200" b="1" dirty="0" smtClean="0"/>
-              <a:t>Regression Process</a:t>
-            </a:r>
-            <a:endParaRPr lang="en-US" sz="3200" b="1" dirty="0"/>
+          <p:cNvPr id="3" name="Content Placeholder 2"/>
+          <p:cNvSpPr>
+            <a:spLocks noGrp="1"/>
+          </p:cNvSpPr>
+          <p:nvPr>
+            <p:ph idx="1"/>
+          </p:nvPr>
+        </p:nvSpPr>
+        <p:spPr/>
+        <p:txBody>
+          <a:bodyPr/>
+          <a:lstStyle/>
+          <a:p>
+            <a:r>
+              <a:rPr lang="en-US" dirty="0" smtClean="0"/>
+              <a:t>Linear Regression</a:t>
+            </a:r>
+          </a:p>
+          <a:p>
+            <a:r>
+              <a:rPr lang="en-US" dirty="0" smtClean="0"/>
+              <a:t>Ridge</a:t>
+            </a:r>
+          </a:p>
+          <a:p>
+            <a:r>
+              <a:rPr lang="en-US" dirty="0" smtClean="0"/>
+              <a:t>Lasso</a:t>
+            </a:r>
+          </a:p>
+          <a:p>
+            <a:r>
+              <a:rPr lang="en-US" dirty="0" smtClean="0"/>
+              <a:t>SVR</a:t>
+            </a:r>
+          </a:p>
+          <a:p>
+            <a:r>
+              <a:rPr lang="en-US" dirty="0" smtClean="0"/>
+              <a:t>Random Forest</a:t>
+            </a:r>
+          </a:p>
+          <a:p>
+            <a:r>
+              <a:rPr lang="en-US" dirty="0" smtClean="0"/>
+              <a:t>Gradient Boost</a:t>
+            </a:r>
+            <a:endParaRPr lang="en-US" dirty="0"/>
           </a:p>
         </p:txBody>
       </p:sp>
     </p:spTree>
     <p:extLst>
       <p:ext uri="{BB962C8B-B14F-4D97-AF65-F5344CB8AC3E}">
-        <p14:creationId xmlns:p14="http://schemas.microsoft.com/office/powerpoint/2010/main" val="163925841"/>
+        <p14:creationId xmlns:p14="http://schemas.microsoft.com/office/powerpoint/2010/main" val="210331630"/>
       </p:ext>
     </p:extLst>
   </p:cSld>
   <p:clrMapOvr>
     <a:masterClrMapping/>
   </p:clrMapOvr>
-  <p:timing>
-    <p:tnLst>
-      <p:par>
-        <p:cTn id="1" dur="indefinite" restart="never" nodeType="tmRoot"/>
-      </p:par>
-    </p:tnLst>
-  </p:timing>
 </p:sld>
 </file>
 
@@ -6037,16 +5801,16 @@
           <a:lstStyle/>
           <a:p>
             <a:r>
-              <a:rPr lang="en-US" sz="3200" dirty="0" smtClean="0"/>
-              <a:t>Find Best Method For Regression</a:t>
-            </a:r>
-            <a:endParaRPr lang="en-US" sz="3200" dirty="0"/>
+              <a:rPr lang="en-US" sz="3600" dirty="0" smtClean="0"/>
+              <a:t>Linear Regression</a:t>
+            </a:r>
+            <a:endParaRPr lang="en-US" sz="3600" dirty="0"/>
           </a:p>
         </p:txBody>
       </p:sp>
       <p:pic>
         <p:nvPicPr>
-          <p:cNvPr id="5" name="Content Placeholder 4"/>
+          <p:cNvPr id="4" name="Content Placeholder 3"/>
           <p:cNvPicPr>
             <a:picLocks noGrp="1" noChangeAspect="1"/>
           </p:cNvPicPr>
@@ -6068,14 +5832,14 @@
         </p:blipFill>
         <p:spPr>
           <a:xfrm>
-            <a:off x="838200" y="4799044"/>
-            <a:ext cx="6477000" cy="495300"/>
+            <a:off x="838200" y="1574234"/>
+            <a:ext cx="7660862" cy="2080234"/>
           </a:xfrm>
         </p:spPr>
       </p:pic>
       <p:pic>
         <p:nvPicPr>
-          <p:cNvPr id="4" name="Content Placeholder 3"/>
+          <p:cNvPr id="5" name="Picture 4"/>
           <p:cNvPicPr>
             <a:picLocks noChangeAspect="1"/>
           </p:cNvPicPr>
@@ -6095,8 +5859,8 @@
         </p:blipFill>
         <p:spPr>
           <a:xfrm>
-            <a:off x="622980" y="1915716"/>
-            <a:ext cx="10452100" cy="1612900"/>
+            <a:off x="838200" y="3654468"/>
+            <a:ext cx="6119813" cy="1290826"/>
           </a:xfrm>
           <a:prstGeom prst="rect">
             <a:avLst/>
@@ -6105,7 +5869,7 @@
       </p:pic>
       <p:pic>
         <p:nvPicPr>
-          <p:cNvPr id="7" name="Picture 6"/>
+          <p:cNvPr id="6" name="Picture 5"/>
           <p:cNvPicPr>
             <a:picLocks noChangeAspect="1"/>
           </p:cNvPicPr>
@@ -6125,38 +5889,8 @@
         </p:blipFill>
         <p:spPr>
           <a:xfrm>
-            <a:off x="958850" y="5294344"/>
-            <a:ext cx="6108700" cy="381000"/>
-          </a:xfrm>
-          <a:prstGeom prst="rect">
-            <a:avLst/>
-          </a:prstGeom>
-        </p:spPr>
-      </p:pic>
-      <p:pic>
-        <p:nvPicPr>
-          <p:cNvPr id="8" name="Picture 7"/>
-          <p:cNvPicPr>
-            <a:picLocks noChangeAspect="1"/>
-          </p:cNvPicPr>
-          <p:nvPr/>
-        </p:nvPicPr>
-        <p:blipFill>
-          <a:blip r:embed="rId5">
-            <a:extLst>
-              <a:ext uri="{28A0092B-C50C-407E-A947-70E740481C1C}">
-                <a14:useLocalDpi xmlns:a14="http://schemas.microsoft.com/office/drawing/2010/main" val="0"/>
-              </a:ext>
-            </a:extLst>
-          </a:blip>
-          <a:stretch>
-            <a:fillRect/>
-          </a:stretch>
-        </p:blipFill>
-        <p:spPr>
-          <a:xfrm>
-            <a:off x="958850" y="5675344"/>
-            <a:ext cx="6045200" cy="381000"/>
+            <a:off x="838200" y="5014998"/>
+            <a:ext cx="7201395" cy="943631"/>
           </a:xfrm>
           <a:prstGeom prst="rect">
             <a:avLst/>
@@ -6166,247 +5900,13 @@
     </p:spTree>
     <p:extLst>
       <p:ext uri="{BB962C8B-B14F-4D97-AF65-F5344CB8AC3E}">
-        <p14:creationId xmlns:p14="http://schemas.microsoft.com/office/powerpoint/2010/main" val="1117143052"/>
+        <p14:creationId xmlns:p14="http://schemas.microsoft.com/office/powerpoint/2010/main" val="1378844108"/>
       </p:ext>
     </p:extLst>
   </p:cSld>
   <p:clrMapOvr>
     <a:masterClrMapping/>
   </p:clrMapOvr>
-  <p:timing>
-    <p:tnLst>
-      <p:par>
-        <p:cTn id="1" dur="indefinite" restart="never" nodeType="tmRoot">
-          <p:childTnLst>
-            <p:seq concurrent="1" nextAc="seek">
-              <p:cTn id="2" dur="indefinite" nodeType="mainSeq">
-                <p:childTnLst>
-                  <p:par>
-                    <p:cTn id="3" fill="hold">
-                      <p:stCondLst>
-                        <p:cond delay="indefinite"/>
-                      </p:stCondLst>
-                      <p:childTnLst>
-                        <p:par>
-                          <p:cTn id="4" fill="hold">
-                            <p:stCondLst>
-                              <p:cond delay="0"/>
-                            </p:stCondLst>
-                            <p:childTnLst>
-                              <p:par>
-                                <p:cTn id="5" presetID="9" presetClass="entr" presetSubtype="0" fill="hold" nodeType="clickEffect">
-                                  <p:stCondLst>
-                                    <p:cond delay="0"/>
-                                  </p:stCondLst>
-                                  <p:childTnLst>
-                                    <p:set>
-                                      <p:cBhvr>
-                                        <p:cTn id="6" dur="1" fill="hold">
-                                          <p:stCondLst>
-                                            <p:cond delay="0"/>
-                                          </p:stCondLst>
-                                        </p:cTn>
-                                        <p:tgtEl>
-                                          <p:spTgt spid="4"/>
-                                        </p:tgtEl>
-                                        <p:attrNameLst>
-                                          <p:attrName>style.visibility</p:attrName>
-                                        </p:attrNameLst>
-                                      </p:cBhvr>
-                                      <p:to>
-                                        <p:strVal val="visible"/>
-                                      </p:to>
-                                    </p:set>
-                                    <p:animEffect transition="in" filter="dissolve">
-                                      <p:cBhvr>
-                                        <p:cTn id="7" dur="500"/>
-                                        <p:tgtEl>
-                                          <p:spTgt spid="4"/>
-                                        </p:tgtEl>
-                                      </p:cBhvr>
-                                    </p:animEffect>
-                                  </p:childTnLst>
-                                </p:cTn>
-                              </p:par>
-                            </p:childTnLst>
-                          </p:cTn>
-                        </p:par>
-                      </p:childTnLst>
-                    </p:cTn>
-                  </p:par>
-                  <p:par>
-                    <p:cTn id="8" fill="hold">
-                      <p:stCondLst>
-                        <p:cond delay="indefinite"/>
-                      </p:stCondLst>
-                      <p:childTnLst>
-                        <p:par>
-                          <p:cTn id="9" fill="hold">
-                            <p:stCondLst>
-                              <p:cond delay="0"/>
-                            </p:stCondLst>
-                            <p:childTnLst>
-                              <p:par>
-                                <p:cTn id="10" presetID="1" presetClass="entr" presetSubtype="0" fill="hold" nodeType="clickEffect">
-                                  <p:stCondLst>
-                                    <p:cond delay="0"/>
-                                  </p:stCondLst>
-                                  <p:childTnLst>
-                                    <p:set>
-                                      <p:cBhvr>
-                                        <p:cTn id="11" dur="1" fill="hold">
-                                          <p:stCondLst>
-                                            <p:cond delay="0"/>
-                                          </p:stCondLst>
-                                        </p:cTn>
-                                        <p:tgtEl>
-                                          <p:spTgt spid="5"/>
-                                        </p:tgtEl>
-                                        <p:attrNameLst>
-                                          <p:attrName>style.visibility</p:attrName>
-                                        </p:attrNameLst>
-                                      </p:cBhvr>
-                                      <p:to>
-                                        <p:strVal val="visible"/>
-                                      </p:to>
-                                    </p:set>
-                                  </p:childTnLst>
-                                </p:cTn>
-                              </p:par>
-                            </p:childTnLst>
-                          </p:cTn>
-                        </p:par>
-                      </p:childTnLst>
-                    </p:cTn>
-                  </p:par>
-                  <p:par>
-                    <p:cTn id="12" fill="hold">
-                      <p:stCondLst>
-                        <p:cond delay="indefinite"/>
-                      </p:stCondLst>
-                      <p:childTnLst>
-                        <p:par>
-                          <p:cTn id="13" fill="hold">
-                            <p:stCondLst>
-                              <p:cond delay="0"/>
-                            </p:stCondLst>
-                            <p:childTnLst>
-                              <p:par>
-                                <p:cTn id="14" presetID="9" presetClass="entr" presetSubtype="0" fill="hold" nodeType="clickEffect">
-                                  <p:stCondLst>
-                                    <p:cond delay="0"/>
-                                  </p:stCondLst>
-                                  <p:childTnLst>
-                                    <p:set>
-                                      <p:cBhvr>
-                                        <p:cTn id="15" dur="1" fill="hold">
-                                          <p:stCondLst>
-                                            <p:cond delay="0"/>
-                                          </p:stCondLst>
-                                        </p:cTn>
-                                        <p:tgtEl>
-                                          <p:spTgt spid="7"/>
-                                        </p:tgtEl>
-                                        <p:attrNameLst>
-                                          <p:attrName>style.visibility</p:attrName>
-                                        </p:attrNameLst>
-                                      </p:cBhvr>
-                                      <p:to>
-                                        <p:strVal val="visible"/>
-                                      </p:to>
-                                    </p:set>
-                                    <p:animEffect transition="in" filter="dissolve">
-                                      <p:cBhvr>
-                                        <p:cTn id="16" dur="500"/>
-                                        <p:tgtEl>
-                                          <p:spTgt spid="7"/>
-                                        </p:tgtEl>
-                                      </p:cBhvr>
-                                    </p:animEffect>
-                                  </p:childTnLst>
-                                </p:cTn>
-                              </p:par>
-                            </p:childTnLst>
-                          </p:cTn>
-                        </p:par>
-                      </p:childTnLst>
-                    </p:cTn>
-                  </p:par>
-                  <p:par>
-                    <p:cTn id="17" fill="hold">
-                      <p:stCondLst>
-                        <p:cond delay="indefinite"/>
-                      </p:stCondLst>
-                      <p:childTnLst>
-                        <p:par>
-                          <p:cTn id="18" fill="hold">
-                            <p:stCondLst>
-                              <p:cond delay="0"/>
-                            </p:stCondLst>
-                            <p:childTnLst>
-                              <p:par>
-                                <p:cTn id="19" presetID="3" presetClass="entr" presetSubtype="10" fill="hold" nodeType="clickEffect">
-                                  <p:stCondLst>
-                                    <p:cond delay="0"/>
-                                  </p:stCondLst>
-                                  <p:childTnLst>
-                                    <p:set>
-                                      <p:cBhvr>
-                                        <p:cTn id="20" dur="1" fill="hold">
-                                          <p:stCondLst>
-                                            <p:cond delay="0"/>
-                                          </p:stCondLst>
-                                        </p:cTn>
-                                        <p:tgtEl>
-                                          <p:spTgt spid="8"/>
-                                        </p:tgtEl>
-                                        <p:attrNameLst>
-                                          <p:attrName>style.visibility</p:attrName>
-                                        </p:attrNameLst>
-                                      </p:cBhvr>
-                                      <p:to>
-                                        <p:strVal val="visible"/>
-                                      </p:to>
-                                    </p:set>
-                                    <p:animEffect transition="in" filter="blinds(horizontal)">
-                                      <p:cBhvr>
-                                        <p:cTn id="21" dur="500"/>
-                                        <p:tgtEl>
-                                          <p:spTgt spid="8"/>
-                                        </p:tgtEl>
-                                      </p:cBhvr>
-                                    </p:animEffect>
-                                  </p:childTnLst>
-                                </p:cTn>
-                              </p:par>
-                            </p:childTnLst>
-                          </p:cTn>
-                        </p:par>
-                      </p:childTnLst>
-                    </p:cTn>
-                  </p:par>
-                </p:childTnLst>
-              </p:cTn>
-              <p:prevCondLst>
-                <p:cond evt="onPrev" delay="0">
-                  <p:tgtEl>
-                    <p:sldTgt/>
-                  </p:tgtEl>
-                </p:cond>
-              </p:prevCondLst>
-              <p:nextCondLst>
-                <p:cond evt="onNext" delay="0">
-                  <p:tgtEl>
-                    <p:sldTgt/>
-                  </p:tgtEl>
-                </p:cond>
-              </p:nextCondLst>
-            </p:seq>
-          </p:childTnLst>
-        </p:cTn>
-      </p:par>
-    </p:tnLst>
-  </p:timing>
 </p:sld>
 </file>
 
@@ -6445,26 +5945,20 @@
           <a:lstStyle/>
           <a:p>
             <a:r>
-              <a:rPr lang="en-US" sz="3200" dirty="0" smtClean="0"/>
-              <a:t>Choosing </a:t>
-            </a:r>
-            <a:r>
-              <a:rPr lang="en-US" sz="3200" dirty="0" err="1" smtClean="0"/>
-              <a:t>XGBoost</a:t>
-            </a:r>
-            <a:endParaRPr lang="en-US" sz="3200" dirty="0"/>
+              <a:rPr lang="en-US" sz="3600" dirty="0" smtClean="0"/>
+              <a:t>Ridge</a:t>
+            </a:r>
+            <a:endParaRPr lang="en-US" sz="3600" dirty="0"/>
           </a:p>
         </p:txBody>
       </p:sp>
       <p:pic>
         <p:nvPicPr>
-          <p:cNvPr id="4" name="Content Placeholder 3"/>
+          <p:cNvPr id="4" name="Picture 3"/>
           <p:cNvPicPr>
-            <a:picLocks noGrp="1" noChangeAspect="1"/>
+            <a:picLocks noChangeAspect="1"/>
           </p:cNvPicPr>
-          <p:nvPr>
-            <p:ph idx="1"/>
-          </p:nvPr>
+          <p:nvPr/>
         </p:nvPicPr>
         <p:blipFill>
           <a:blip r:embed="rId2">
@@ -6480,523 +5974,84 @@
         </p:blipFill>
         <p:spPr>
           <a:xfrm>
-            <a:off x="838200" y="4515443"/>
-            <a:ext cx="8648700" cy="1066800"/>
-          </a:xfrm>
-        </p:spPr>
-      </p:pic>
-      <p:sp>
-        <p:nvSpPr>
-          <p:cNvPr id="5" name="TextBox 4"/>
-          <p:cNvSpPr txBox="1"/>
-          <p:nvPr/>
-        </p:nvSpPr>
-        <p:spPr>
-          <a:xfrm>
-            <a:off x="838200" y="1690688"/>
-            <a:ext cx="9837717" cy="2308324"/>
+            <a:off x="838200" y="1396010"/>
+            <a:ext cx="6616700" cy="1168400"/>
           </a:xfrm>
           <a:prstGeom prst="rect">
             <a:avLst/>
           </a:prstGeom>
-          <a:noFill/>
-        </p:spPr>
-        <p:txBody>
-          <a:bodyPr wrap="square" rtlCol="0">
-            <a:spAutoFit/>
-          </a:bodyPr>
-          <a:lstStyle/>
-          <a:p>
-            <a:r>
-              <a:rPr lang="en-US" dirty="0"/>
-              <a:t>Extreme Gradient Boosting (</a:t>
-            </a:r>
-            <a:r>
-              <a:rPr lang="en-US" dirty="0" err="1" smtClean="0"/>
-              <a:t>XGBoost</a:t>
-            </a:r>
-            <a:r>
-              <a:rPr lang="en-US" dirty="0" smtClean="0"/>
-              <a:t>) </a:t>
-            </a:r>
-            <a:r>
-              <a:rPr lang="en-US" dirty="0" err="1" smtClean="0"/>
-              <a:t>merupakan</a:t>
-            </a:r>
-            <a:r>
-              <a:rPr lang="en-US" dirty="0" smtClean="0"/>
-              <a:t> </a:t>
-            </a:r>
-            <a:r>
-              <a:rPr lang="en-US" dirty="0" err="1" smtClean="0"/>
-              <a:t>teknik</a:t>
-            </a:r>
-            <a:r>
-              <a:rPr lang="en-US" dirty="0" smtClean="0"/>
-              <a:t> </a:t>
-            </a:r>
-            <a:r>
-              <a:rPr lang="en-US" dirty="0" err="1" smtClean="0"/>
-              <a:t>pada</a:t>
-            </a:r>
-            <a:r>
-              <a:rPr lang="en-US" dirty="0" smtClean="0"/>
-              <a:t> machine learning </a:t>
-            </a:r>
-            <a:r>
-              <a:rPr lang="en-US" dirty="0" err="1" smtClean="0"/>
-              <a:t>untuk</a:t>
-            </a:r>
-            <a:r>
-              <a:rPr lang="en-US" dirty="0" smtClean="0"/>
-              <a:t> </a:t>
-            </a:r>
-            <a:r>
-              <a:rPr lang="en-US" dirty="0" err="1" smtClean="0"/>
-              <a:t>menyelesaikan</a:t>
-            </a:r>
-            <a:r>
-              <a:rPr lang="en-US" dirty="0" smtClean="0"/>
-              <a:t> </a:t>
-            </a:r>
-            <a:r>
-              <a:rPr lang="en-US" dirty="0" err="1" smtClean="0"/>
-              <a:t>masalah</a:t>
-            </a:r>
-            <a:r>
-              <a:rPr lang="en-US" dirty="0" smtClean="0"/>
-              <a:t> </a:t>
-            </a:r>
-            <a:r>
-              <a:rPr lang="en-US" dirty="0" err="1" smtClean="0"/>
-              <a:t>regresi</a:t>
-            </a:r>
-            <a:r>
-              <a:rPr lang="en-US" dirty="0" smtClean="0"/>
-              <a:t> </a:t>
-            </a:r>
-            <a:r>
-              <a:rPr lang="en-US" dirty="0" err="1" smtClean="0"/>
-              <a:t>dan</a:t>
-            </a:r>
-            <a:r>
-              <a:rPr lang="en-US" dirty="0" smtClean="0"/>
-              <a:t> </a:t>
-            </a:r>
-            <a:r>
-              <a:rPr lang="en-US" dirty="0" err="1" smtClean="0"/>
-              <a:t>klasifikasi</a:t>
-            </a:r>
-            <a:r>
-              <a:rPr lang="en-US" dirty="0" smtClean="0"/>
-              <a:t>. </a:t>
-            </a:r>
-            <a:r>
-              <a:rPr lang="en-US" dirty="0" err="1" smtClean="0"/>
-              <a:t>Biasanya</a:t>
-            </a:r>
-            <a:r>
-              <a:rPr lang="en-US" dirty="0" smtClean="0"/>
-              <a:t> </a:t>
-            </a:r>
-            <a:r>
-              <a:rPr lang="en-US" dirty="0" err="1" smtClean="0"/>
-              <a:t>memiliki</a:t>
-            </a:r>
-            <a:r>
-              <a:rPr lang="en-US" dirty="0" smtClean="0"/>
-              <a:t> </a:t>
-            </a:r>
-            <a:r>
-              <a:rPr lang="en-US" dirty="0" err="1" smtClean="0"/>
-              <a:t>bentuk</a:t>
-            </a:r>
-            <a:r>
-              <a:rPr lang="en-US" dirty="0" smtClean="0"/>
-              <a:t> </a:t>
-            </a:r>
-            <a:r>
-              <a:rPr lang="en-US" dirty="0" err="1" smtClean="0"/>
-              <a:t>berupa</a:t>
-            </a:r>
-            <a:r>
-              <a:rPr lang="en-US" dirty="0" smtClean="0"/>
-              <a:t> </a:t>
-            </a:r>
-            <a:r>
-              <a:rPr lang="en-US" i="1" dirty="0" smtClean="0"/>
-              <a:t>decision tree </a:t>
-            </a:r>
-            <a:r>
-              <a:rPr lang="en-US" dirty="0" smtClean="0"/>
-              <a:t>yang </a:t>
-            </a:r>
-            <a:r>
-              <a:rPr lang="en-US" dirty="0" err="1" smtClean="0"/>
-              <a:t>memiliki</a:t>
-            </a:r>
-            <a:r>
-              <a:rPr lang="en-US" dirty="0" smtClean="0"/>
-              <a:t> </a:t>
-            </a:r>
-            <a:r>
-              <a:rPr lang="en-US" dirty="0" err="1" smtClean="0"/>
-              <a:t>bentuk</a:t>
-            </a:r>
-            <a:r>
-              <a:rPr lang="en-US" dirty="0" smtClean="0"/>
-              <a:t> </a:t>
-            </a:r>
-            <a:r>
-              <a:rPr lang="en-US" i="1" dirty="0" smtClean="0"/>
-              <a:t>ensemble. </a:t>
-            </a:r>
-            <a:r>
-              <a:rPr lang="en-US" dirty="0" err="1" smtClean="0"/>
-              <a:t>XGBoost</a:t>
-            </a:r>
-            <a:r>
-              <a:rPr lang="en-US" dirty="0" smtClean="0"/>
-              <a:t> </a:t>
-            </a:r>
-            <a:r>
-              <a:rPr lang="en-US" dirty="0" err="1" smtClean="0"/>
-              <a:t>membangun</a:t>
-            </a:r>
-            <a:r>
-              <a:rPr lang="en-US" dirty="0" smtClean="0"/>
-              <a:t> model </a:t>
-            </a:r>
-            <a:r>
-              <a:rPr lang="en-US" dirty="0" err="1" smtClean="0"/>
-              <a:t>dengan</a:t>
-            </a:r>
-            <a:r>
-              <a:rPr lang="en-US" dirty="0" smtClean="0"/>
-              <a:t> </a:t>
-            </a:r>
-            <a:r>
-              <a:rPr lang="en-US" dirty="0" err="1" smtClean="0"/>
-              <a:t>cara</a:t>
-            </a:r>
-            <a:r>
-              <a:rPr lang="en-US" dirty="0" smtClean="0"/>
-              <a:t> </a:t>
-            </a:r>
-            <a:r>
-              <a:rPr lang="en-US" dirty="0" err="1" smtClean="0"/>
-              <a:t>bertahap</a:t>
-            </a:r>
-            <a:r>
-              <a:rPr lang="en-US" dirty="0" smtClean="0"/>
-              <a:t> (sequential) </a:t>
-            </a:r>
-            <a:r>
-              <a:rPr lang="en-US" dirty="0" err="1" smtClean="0"/>
-              <a:t>seperti</a:t>
-            </a:r>
-            <a:r>
-              <a:rPr lang="en-US" dirty="0" smtClean="0"/>
-              <a:t> </a:t>
-            </a:r>
-            <a:r>
-              <a:rPr lang="en-US" dirty="0" err="1" smtClean="0"/>
-              <a:t>metode</a:t>
-            </a:r>
-            <a:r>
-              <a:rPr lang="en-US" dirty="0" smtClean="0"/>
-              <a:t> Boosting yang lain </a:t>
-            </a:r>
-            <a:r>
-              <a:rPr lang="en-US" dirty="0" err="1" smtClean="0"/>
-              <a:t>dan</a:t>
-            </a:r>
-            <a:r>
-              <a:rPr lang="en-US" dirty="0" smtClean="0"/>
-              <a:t> </a:t>
-            </a:r>
-            <a:r>
-              <a:rPr lang="en-US" dirty="0" err="1" smtClean="0"/>
-              <a:t>menyamaratakan</a:t>
-            </a:r>
-            <a:r>
-              <a:rPr lang="en-US" dirty="0" smtClean="0"/>
-              <a:t> </a:t>
-            </a:r>
-            <a:r>
-              <a:rPr lang="en-US" dirty="0" err="1" smtClean="0"/>
-              <a:t>dengan</a:t>
-            </a:r>
-            <a:r>
-              <a:rPr lang="en-US" dirty="0" smtClean="0"/>
-              <a:t> </a:t>
-            </a:r>
-            <a:r>
-              <a:rPr lang="en-US" dirty="0" err="1" smtClean="0"/>
-              <a:t>cara</a:t>
-            </a:r>
-            <a:r>
-              <a:rPr lang="en-US" dirty="0" smtClean="0"/>
-              <a:t> </a:t>
-            </a:r>
-            <a:r>
-              <a:rPr lang="en-US" dirty="0" err="1" smtClean="0"/>
-              <a:t>optimalisasi</a:t>
-            </a:r>
-            <a:r>
-              <a:rPr lang="en-US" dirty="0" smtClean="0"/>
-              <a:t> </a:t>
-            </a:r>
-            <a:r>
-              <a:rPr lang="en-US" dirty="0" err="1" smtClean="0"/>
-              <a:t>fungsi</a:t>
-            </a:r>
-            <a:r>
-              <a:rPr lang="en-US" dirty="0" smtClean="0"/>
-              <a:t> </a:t>
-            </a:r>
-            <a:r>
-              <a:rPr lang="en-US" dirty="0" err="1" smtClean="0"/>
-              <a:t>kerugian</a:t>
-            </a:r>
-            <a:r>
-              <a:rPr lang="en-US" dirty="0" smtClean="0"/>
-              <a:t> </a:t>
-            </a:r>
-            <a:r>
-              <a:rPr lang="en-US" i="1" dirty="0" smtClean="0"/>
-              <a:t>(Loss Function).</a:t>
-            </a:r>
-          </a:p>
-          <a:p>
-            <a:endParaRPr lang="en-US" i="1" dirty="0"/>
-          </a:p>
-          <a:p>
-            <a:r>
-              <a:rPr lang="en-US" dirty="0" smtClean="0"/>
-              <a:t>Yang </a:t>
-            </a:r>
-            <a:r>
-              <a:rPr lang="en-US" dirty="0" err="1" smtClean="0"/>
-              <a:t>membuat</a:t>
-            </a:r>
-            <a:r>
-              <a:rPr lang="en-US" dirty="0" smtClean="0"/>
-              <a:t> </a:t>
-            </a:r>
-            <a:r>
-              <a:rPr lang="en-US" dirty="0" err="1" smtClean="0"/>
-              <a:t>XGBoost</a:t>
-            </a:r>
-            <a:r>
-              <a:rPr lang="en-US" dirty="0" smtClean="0"/>
-              <a:t> </a:t>
-            </a:r>
-            <a:r>
-              <a:rPr lang="en-US" dirty="0" err="1" smtClean="0"/>
-              <a:t>berbeda</a:t>
-            </a:r>
-            <a:r>
-              <a:rPr lang="en-US" dirty="0" smtClean="0"/>
-              <a:t> </a:t>
-            </a:r>
-            <a:r>
-              <a:rPr lang="en-US" dirty="0" err="1" smtClean="0"/>
-              <a:t>dengan</a:t>
-            </a:r>
-            <a:r>
-              <a:rPr lang="en-US" dirty="0" smtClean="0"/>
-              <a:t> </a:t>
-            </a:r>
-            <a:r>
-              <a:rPr lang="en-US" dirty="0" err="1" smtClean="0"/>
-              <a:t>metode</a:t>
-            </a:r>
-            <a:r>
-              <a:rPr lang="en-US" dirty="0" smtClean="0"/>
-              <a:t> Boosting </a:t>
-            </a:r>
-            <a:r>
-              <a:rPr lang="en-US" dirty="0" err="1" smtClean="0"/>
-              <a:t>lainnya</a:t>
-            </a:r>
-            <a:r>
-              <a:rPr lang="en-US" dirty="0" smtClean="0"/>
-              <a:t> </a:t>
-            </a:r>
-            <a:r>
-              <a:rPr lang="en-US" dirty="0" err="1" smtClean="0"/>
-              <a:t>adalah</a:t>
-            </a:r>
-            <a:r>
-              <a:rPr lang="en-US" dirty="0" smtClean="0"/>
-              <a:t> </a:t>
-            </a:r>
-            <a:r>
-              <a:rPr lang="en-US" dirty="0" err="1" smtClean="0"/>
-              <a:t>memiliki</a:t>
-            </a:r>
-            <a:r>
-              <a:rPr lang="en-US" dirty="0" smtClean="0"/>
-              <a:t> </a:t>
-            </a:r>
-            <a:r>
-              <a:rPr lang="en-US" dirty="0" err="1" smtClean="0"/>
-              <a:t>formulasi</a:t>
-            </a:r>
-            <a:r>
-              <a:rPr lang="en-US" dirty="0" smtClean="0"/>
-              <a:t> </a:t>
-            </a:r>
-            <a:r>
-              <a:rPr lang="en-US" dirty="0" err="1" smtClean="0"/>
-              <a:t>untuk</a:t>
-            </a:r>
-            <a:r>
-              <a:rPr lang="en-US" dirty="0" smtClean="0"/>
-              <a:t> model yang </a:t>
-            </a:r>
-            <a:r>
-              <a:rPr lang="en-US" dirty="0" err="1" smtClean="0"/>
-              <a:t>lebih</a:t>
-            </a:r>
-            <a:r>
-              <a:rPr lang="en-US" dirty="0" smtClean="0"/>
-              <a:t> </a:t>
-            </a:r>
-            <a:r>
-              <a:rPr lang="en-US" dirty="0" err="1" smtClean="0"/>
-              <a:t>teratur</a:t>
-            </a:r>
-            <a:r>
-              <a:rPr lang="en-US" dirty="0" smtClean="0"/>
-              <a:t> ( </a:t>
-            </a:r>
-            <a:r>
-              <a:rPr lang="en-US" dirty="0" err="1" smtClean="0"/>
-              <a:t>dimana</a:t>
-            </a:r>
-            <a:r>
-              <a:rPr lang="en-US" dirty="0" smtClean="0"/>
-              <a:t> </a:t>
-            </a:r>
-            <a:r>
-              <a:rPr lang="en-US" dirty="0" err="1" smtClean="0"/>
-              <a:t>dia</a:t>
-            </a:r>
-            <a:r>
-              <a:rPr lang="en-US" dirty="0" smtClean="0"/>
-              <a:t> </a:t>
-            </a:r>
-            <a:r>
-              <a:rPr lang="en-US" dirty="0" err="1" smtClean="0"/>
-              <a:t>memiliki</a:t>
-            </a:r>
-            <a:r>
-              <a:rPr lang="en-US" dirty="0" smtClean="0"/>
-              <a:t> </a:t>
-            </a:r>
-            <a:r>
-              <a:rPr lang="en-US" dirty="0" err="1" smtClean="0"/>
-              <a:t>banyak</a:t>
-            </a:r>
-            <a:r>
-              <a:rPr lang="en-US" dirty="0" smtClean="0"/>
-              <a:t> </a:t>
-            </a:r>
-            <a:r>
-              <a:rPr lang="en-US" i="1" dirty="0" smtClean="0"/>
-              <a:t>parameter tuning </a:t>
-            </a:r>
-            <a:r>
-              <a:rPr lang="en-US" dirty="0" smtClean="0"/>
-              <a:t>) </a:t>
-            </a:r>
-            <a:r>
-              <a:rPr lang="en-US" dirty="0" err="1" smtClean="0"/>
-              <a:t>untuk</a:t>
-            </a:r>
-            <a:r>
-              <a:rPr lang="en-US" dirty="0" smtClean="0"/>
-              <a:t> </a:t>
-            </a:r>
-            <a:r>
-              <a:rPr lang="en-US" dirty="0" err="1" smtClean="0"/>
-              <a:t>mengatur</a:t>
-            </a:r>
-            <a:r>
-              <a:rPr lang="en-US" dirty="0" smtClean="0"/>
-              <a:t> </a:t>
-            </a:r>
-            <a:r>
-              <a:rPr lang="en-US" i="1" dirty="0" smtClean="0"/>
-              <a:t>overfitting</a:t>
-            </a:r>
-            <a:r>
-              <a:rPr lang="en-US" dirty="0" smtClean="0"/>
-              <a:t> </a:t>
-            </a:r>
-            <a:r>
-              <a:rPr lang="en-US" dirty="0" err="1" smtClean="0"/>
-              <a:t>dan</a:t>
-            </a:r>
-            <a:r>
-              <a:rPr lang="en-US" dirty="0" smtClean="0"/>
-              <a:t> </a:t>
-            </a:r>
-            <a:r>
-              <a:rPr lang="en-US" dirty="0" err="1" smtClean="0"/>
-              <a:t>memberikan</a:t>
-            </a:r>
-            <a:r>
-              <a:rPr lang="en-US" dirty="0" smtClean="0"/>
-              <a:t> </a:t>
-            </a:r>
-            <a:r>
-              <a:rPr lang="en-US" dirty="0" err="1" smtClean="0"/>
-              <a:t>hasil</a:t>
-            </a:r>
-            <a:r>
-              <a:rPr lang="en-US" dirty="0" smtClean="0"/>
-              <a:t> yang </a:t>
-            </a:r>
-            <a:r>
-              <a:rPr lang="en-US" dirty="0" err="1" smtClean="0"/>
-              <a:t>lebih</a:t>
-            </a:r>
-            <a:r>
-              <a:rPr lang="en-US" dirty="0" smtClean="0"/>
-              <a:t> </a:t>
-            </a:r>
-            <a:r>
-              <a:rPr lang="en-US" dirty="0" err="1" smtClean="0"/>
-              <a:t>baik</a:t>
-            </a:r>
-            <a:r>
-              <a:rPr lang="en-US" dirty="0" smtClean="0"/>
-              <a:t>. </a:t>
-            </a:r>
-            <a:endParaRPr lang="en-US" dirty="0"/>
-          </a:p>
-        </p:txBody>
-      </p:sp>
+        </p:spPr>
+      </p:pic>
+      <p:pic>
+        <p:nvPicPr>
+          <p:cNvPr id="5" name="Picture 4"/>
+          <p:cNvPicPr>
+            <a:picLocks noChangeAspect="1"/>
+          </p:cNvPicPr>
+          <p:nvPr/>
+        </p:nvPicPr>
+        <p:blipFill>
+          <a:blip r:embed="rId3">
+            <a:extLst>
+              <a:ext uri="{28A0092B-C50C-407E-A947-70E740481C1C}">
+                <a14:useLocalDpi xmlns:a14="http://schemas.microsoft.com/office/drawing/2010/main" val="0"/>
+              </a:ext>
+            </a:extLst>
+          </a:blip>
+          <a:stretch>
+            <a:fillRect/>
+          </a:stretch>
+        </p:blipFill>
+        <p:spPr>
+          <a:xfrm>
+            <a:off x="838200" y="2721573"/>
+            <a:ext cx="4927600" cy="1358900"/>
+          </a:xfrm>
+          <a:prstGeom prst="rect">
+            <a:avLst/>
+          </a:prstGeom>
+        </p:spPr>
+      </p:pic>
+      <p:pic>
+        <p:nvPicPr>
+          <p:cNvPr id="6" name="Picture 5"/>
+          <p:cNvPicPr>
+            <a:picLocks noChangeAspect="1"/>
+          </p:cNvPicPr>
+          <p:nvPr/>
+        </p:nvPicPr>
+        <p:blipFill>
+          <a:blip r:embed="rId4">
+            <a:extLst>
+              <a:ext uri="{28A0092B-C50C-407E-A947-70E740481C1C}">
+                <a14:useLocalDpi xmlns:a14="http://schemas.microsoft.com/office/drawing/2010/main" val="0"/>
+              </a:ext>
+            </a:extLst>
+          </a:blip>
+          <a:stretch>
+            <a:fillRect/>
+          </a:stretch>
+        </p:blipFill>
+        <p:spPr>
+          <a:xfrm>
+            <a:off x="838200" y="4237636"/>
+            <a:ext cx="7519988" cy="1426680"/>
+          </a:xfrm>
+          <a:prstGeom prst="rect">
+            <a:avLst/>
+          </a:prstGeom>
+        </p:spPr>
+      </p:pic>
     </p:spTree>
     <p:extLst>
       <p:ext uri="{BB962C8B-B14F-4D97-AF65-F5344CB8AC3E}">
-        <p14:creationId xmlns:p14="http://schemas.microsoft.com/office/powerpoint/2010/main" val="1074273079"/>
+        <p14:creationId xmlns:p14="http://schemas.microsoft.com/office/powerpoint/2010/main" val="1547707389"/>
       </p:ext>
     </p:extLst>
   </p:cSld>
   <p:clrMapOvr>
     <a:masterClrMapping/>
   </p:clrMapOvr>
-  <p:timing>
-    <p:tnLst>
-      <p:par>
-        <p:cTn id="1" dur="indefinite" restart="never" nodeType="tmRoot"/>
-      </p:par>
-    </p:tnLst>
-  </p:timing>
 </p:sld>
 </file>
 
@@ -7035,85 +6090,112 @@
           <a:lstStyle/>
           <a:p>
             <a:r>
-              <a:rPr lang="en-US" sz="3200" dirty="0" err="1" smtClean="0"/>
-              <a:t>XGBoost</a:t>
-            </a:r>
-            <a:r>
-              <a:rPr lang="en-US" sz="3200" dirty="0" smtClean="0"/>
-              <a:t> </a:t>
-            </a:r>
-            <a:r>
-              <a:rPr lang="en-US" sz="3200" dirty="0" smtClean="0"/>
-              <a:t>Advantage</a:t>
-            </a:r>
-            <a:endParaRPr lang="en-US" sz="3200" dirty="0"/>
-          </a:p>
-        </p:txBody>
-      </p:sp>
-      <p:sp>
-        <p:nvSpPr>
-          <p:cNvPr id="3" name="Content Placeholder 2"/>
-          <p:cNvSpPr>
-            <a:spLocks noGrp="1"/>
-          </p:cNvSpPr>
+              <a:rPr lang="en-US" sz="3600" dirty="0" smtClean="0"/>
+              <a:t>Lasso</a:t>
+            </a:r>
+            <a:endParaRPr lang="en-US" sz="3600" dirty="0"/>
+          </a:p>
+        </p:txBody>
+      </p:sp>
+      <p:pic>
+        <p:nvPicPr>
+          <p:cNvPr id="4" name="Content Placeholder 3"/>
+          <p:cNvPicPr>
+            <a:picLocks noGrp="1" noChangeAspect="1"/>
+          </p:cNvPicPr>
           <p:nvPr>
             <p:ph idx="1"/>
           </p:nvPr>
-        </p:nvSpPr>
-        <p:spPr>
-          <a:xfrm>
-            <a:off x="838200" y="1825625"/>
-            <a:ext cx="4707577" cy="1748848"/>
-          </a:xfrm>
-        </p:spPr>
-        <p:txBody>
-          <a:bodyPr>
-            <a:normAutofit/>
-          </a:bodyPr>
-          <a:lstStyle/>
-          <a:p>
-            <a:r>
-              <a:rPr lang="en-US" sz="2000" dirty="0" smtClean="0"/>
-              <a:t>Regularization</a:t>
-            </a:r>
-          </a:p>
-          <a:p>
-            <a:r>
-              <a:rPr lang="en-US" sz="2000" dirty="0" smtClean="0"/>
-              <a:t>High Flexibility</a:t>
-            </a:r>
-          </a:p>
-          <a:p>
-            <a:r>
-              <a:rPr lang="en-US" sz="2000" dirty="0" smtClean="0"/>
-              <a:t>Handling Missing Value</a:t>
-            </a:r>
-          </a:p>
-          <a:p>
-            <a:r>
-              <a:rPr lang="en-US" sz="2000" dirty="0" smtClean="0"/>
-              <a:t>Built-in Cross Validation</a:t>
-            </a:r>
-          </a:p>
-        </p:txBody>
-      </p:sp>
+        </p:nvPicPr>
+        <p:blipFill>
+          <a:blip r:embed="rId2">
+            <a:extLst>
+              <a:ext uri="{28A0092B-C50C-407E-A947-70E740481C1C}">
+                <a14:useLocalDpi xmlns:a14="http://schemas.microsoft.com/office/drawing/2010/main" val="0"/>
+              </a:ext>
+            </a:extLst>
+          </a:blip>
+          <a:stretch>
+            <a:fillRect/>
+          </a:stretch>
+        </p:blipFill>
+        <p:spPr>
+          <a:xfrm>
+            <a:off x="838200" y="1492324"/>
+            <a:ext cx="6310745" cy="1033273"/>
+          </a:xfrm>
+        </p:spPr>
+      </p:pic>
+      <p:pic>
+        <p:nvPicPr>
+          <p:cNvPr id="5" name="Picture 4"/>
+          <p:cNvPicPr>
+            <a:picLocks noChangeAspect="1"/>
+          </p:cNvPicPr>
+          <p:nvPr/>
+        </p:nvPicPr>
+        <p:blipFill>
+          <a:blip r:embed="rId3">
+            <a:extLst>
+              <a:ext uri="{28A0092B-C50C-407E-A947-70E740481C1C}">
+                <a14:useLocalDpi xmlns:a14="http://schemas.microsoft.com/office/drawing/2010/main" val="0"/>
+              </a:ext>
+            </a:extLst>
+          </a:blip>
+          <a:stretch>
+            <a:fillRect/>
+          </a:stretch>
+        </p:blipFill>
+        <p:spPr>
+          <a:xfrm>
+            <a:off x="838200" y="2619828"/>
+            <a:ext cx="4434444" cy="1529831"/>
+          </a:xfrm>
+          <a:prstGeom prst="rect">
+            <a:avLst/>
+          </a:prstGeom>
+        </p:spPr>
+      </p:pic>
+      <p:pic>
+        <p:nvPicPr>
+          <p:cNvPr id="6" name="Picture 5"/>
+          <p:cNvPicPr>
+            <a:picLocks noChangeAspect="1"/>
+          </p:cNvPicPr>
+          <p:nvPr/>
+        </p:nvPicPr>
+        <p:blipFill>
+          <a:blip r:embed="rId4">
+            <a:extLst>
+              <a:ext uri="{28A0092B-C50C-407E-A947-70E740481C1C}">
+                <a14:useLocalDpi xmlns:a14="http://schemas.microsoft.com/office/drawing/2010/main" val="0"/>
+              </a:ext>
+            </a:extLst>
+          </a:blip>
+          <a:stretch>
+            <a:fillRect/>
+          </a:stretch>
+        </p:blipFill>
+        <p:spPr>
+          <a:xfrm>
+            <a:off x="838200" y="4243890"/>
+            <a:ext cx="8151421" cy="755497"/>
+          </a:xfrm>
+          <a:prstGeom prst="rect">
+            <a:avLst/>
+          </a:prstGeom>
+        </p:spPr>
+      </p:pic>
     </p:spTree>
     <p:extLst>
       <p:ext uri="{BB962C8B-B14F-4D97-AF65-F5344CB8AC3E}">
-        <p14:creationId xmlns:p14="http://schemas.microsoft.com/office/powerpoint/2010/main" val="2143707585"/>
+        <p14:creationId xmlns:p14="http://schemas.microsoft.com/office/powerpoint/2010/main" val="636382966"/>
       </p:ext>
     </p:extLst>
   </p:cSld>
   <p:clrMapOvr>
     <a:masterClrMapping/>
   </p:clrMapOvr>
-  <p:timing>
-    <p:tnLst>
-      <p:par>
-        <p:cTn id="1" dur="indefinite" restart="never" nodeType="tmRoot"/>
-      </p:par>
-    </p:tnLst>
-  </p:timing>
 </p:sld>
 </file>
 
@@ -7146,19 +6228,555 @@
         </p:nvSpPr>
         <p:spPr/>
         <p:txBody>
+          <a:bodyPr/>
+          <a:lstStyle/>
+          <a:p>
+            <a:endParaRPr lang="en-US" dirty="0"/>
+          </a:p>
+        </p:txBody>
+      </p:sp>
+      <p:pic>
+        <p:nvPicPr>
+          <p:cNvPr id="4" name="Content Placeholder 3"/>
+          <p:cNvPicPr>
+            <a:picLocks noGrp="1" noChangeAspect="1"/>
+          </p:cNvPicPr>
+          <p:nvPr>
+            <p:ph idx="1"/>
+          </p:nvPr>
+        </p:nvPicPr>
+        <p:blipFill>
+          <a:blip r:embed="rId2">
+            <a:extLst>
+              <a:ext uri="{28A0092B-C50C-407E-A947-70E740481C1C}">
+                <a14:useLocalDpi xmlns:a14="http://schemas.microsoft.com/office/drawing/2010/main" val="0"/>
+              </a:ext>
+            </a:extLst>
+          </a:blip>
+          <a:stretch>
+            <a:fillRect/>
+          </a:stretch>
+        </p:blipFill>
+        <p:spPr>
+          <a:xfrm>
+            <a:off x="2360879" y="1027906"/>
+            <a:ext cx="6983145" cy="4821325"/>
+          </a:xfrm>
+        </p:spPr>
+      </p:pic>
+    </p:spTree>
+    <p:extLst>
+      <p:ext uri="{BB962C8B-B14F-4D97-AF65-F5344CB8AC3E}">
+        <p14:creationId xmlns:p14="http://schemas.microsoft.com/office/powerpoint/2010/main" val="984009720"/>
+      </p:ext>
+    </p:extLst>
+  </p:cSld>
+  <p:clrMapOvr>
+    <a:masterClrMapping/>
+  </p:clrMapOvr>
+</p:sld>
+</file>
+
+<file path=ppt/slides/slide25.xml><?xml version="1.0" encoding="utf-8"?>
+<p:sld xmlns:a="http://schemas.openxmlformats.org/drawingml/2006/main" xmlns:r="http://schemas.openxmlformats.org/officeDocument/2006/relationships" xmlns:p="http://schemas.openxmlformats.org/presentationml/2006/main">
+  <p:cSld>
+    <p:spTree>
+      <p:nvGrpSpPr>
+        <p:cNvPr id="1" name=""/>
+        <p:cNvGrpSpPr/>
+        <p:nvPr/>
+      </p:nvGrpSpPr>
+      <p:grpSpPr>
+        <a:xfrm>
+          <a:off x="0" y="0"/>
+          <a:ext cx="0" cy="0"/>
+          <a:chOff x="0" y="0"/>
+          <a:chExt cx="0" cy="0"/>
+        </a:xfrm>
+      </p:grpSpPr>
+      <p:sp>
+        <p:nvSpPr>
+          <p:cNvPr id="2" name="Title 1"/>
+          <p:cNvSpPr>
+            <a:spLocks noGrp="1"/>
+          </p:cNvSpPr>
+          <p:nvPr>
+            <p:ph type="title"/>
+          </p:nvPr>
+        </p:nvSpPr>
+        <p:spPr/>
+        <p:txBody>
           <a:bodyPr>
             <a:normAutofit/>
           </a:bodyPr>
           <a:lstStyle/>
           <a:p>
+            <a:r>
+              <a:rPr lang="en-US" sz="3600" dirty="0" smtClean="0"/>
+              <a:t>SVR</a:t>
+            </a:r>
+            <a:endParaRPr lang="en-US" sz="3600" dirty="0"/>
+          </a:p>
+        </p:txBody>
+      </p:sp>
+      <p:pic>
+        <p:nvPicPr>
+          <p:cNvPr id="4" name="Content Placeholder 3"/>
+          <p:cNvPicPr>
+            <a:picLocks noGrp="1" noChangeAspect="1"/>
+          </p:cNvPicPr>
+          <p:nvPr>
+            <p:ph idx="1"/>
+          </p:nvPr>
+        </p:nvPicPr>
+        <p:blipFill>
+          <a:blip r:embed="rId2">
+            <a:extLst>
+              <a:ext uri="{28A0092B-C50C-407E-A947-70E740481C1C}">
+                <a14:useLocalDpi xmlns:a14="http://schemas.microsoft.com/office/drawing/2010/main" val="0"/>
+              </a:ext>
+            </a:extLst>
+          </a:blip>
+          <a:stretch>
+            <a:fillRect/>
+          </a:stretch>
+        </p:blipFill>
+        <p:spPr>
+          <a:xfrm>
+            <a:off x="838200" y="1623828"/>
+            <a:ext cx="5693229" cy="1479266"/>
+          </a:xfrm>
+        </p:spPr>
+      </p:pic>
+      <p:pic>
+        <p:nvPicPr>
+          <p:cNvPr id="5" name="Picture 4"/>
+          <p:cNvPicPr>
+            <a:picLocks noChangeAspect="1"/>
+          </p:cNvPicPr>
+          <p:nvPr/>
+        </p:nvPicPr>
+        <p:blipFill>
+          <a:blip r:embed="rId3">
+            <a:extLst>
+              <a:ext uri="{28A0092B-C50C-407E-A947-70E740481C1C}">
+                <a14:useLocalDpi xmlns:a14="http://schemas.microsoft.com/office/drawing/2010/main" val="0"/>
+              </a:ext>
+            </a:extLst>
+          </a:blip>
+          <a:stretch>
+            <a:fillRect/>
+          </a:stretch>
+        </p:blipFill>
+        <p:spPr>
+          <a:xfrm>
+            <a:off x="838200" y="3304974"/>
+            <a:ext cx="7165769" cy="1371439"/>
+          </a:xfrm>
+          <a:prstGeom prst="rect">
+            <a:avLst/>
+          </a:prstGeom>
+        </p:spPr>
+      </p:pic>
+      <p:pic>
+        <p:nvPicPr>
+          <p:cNvPr id="6" name="Picture 5"/>
+          <p:cNvPicPr>
+            <a:picLocks noChangeAspect="1"/>
+          </p:cNvPicPr>
+          <p:nvPr/>
+        </p:nvPicPr>
+        <p:blipFill>
+          <a:blip r:embed="rId4">
+            <a:extLst>
+              <a:ext uri="{28A0092B-C50C-407E-A947-70E740481C1C}">
+                <a14:useLocalDpi xmlns:a14="http://schemas.microsoft.com/office/drawing/2010/main" val="0"/>
+              </a:ext>
+            </a:extLst>
+          </a:blip>
+          <a:stretch>
+            <a:fillRect/>
+          </a:stretch>
+        </p:blipFill>
+        <p:spPr>
+          <a:xfrm>
+            <a:off x="838200" y="4676413"/>
+            <a:ext cx="5016500" cy="1257300"/>
+          </a:xfrm>
+          <a:prstGeom prst="rect">
+            <a:avLst/>
+          </a:prstGeom>
+        </p:spPr>
+      </p:pic>
+    </p:spTree>
+    <p:extLst>
+      <p:ext uri="{BB962C8B-B14F-4D97-AF65-F5344CB8AC3E}">
+        <p14:creationId xmlns:p14="http://schemas.microsoft.com/office/powerpoint/2010/main" val="2037221564"/>
+      </p:ext>
+    </p:extLst>
+  </p:cSld>
+  <p:clrMapOvr>
+    <a:masterClrMapping/>
+  </p:clrMapOvr>
+</p:sld>
+</file>
+
+<file path=ppt/slides/slide26.xml><?xml version="1.0" encoding="utf-8"?>
+<p:sld xmlns:a="http://schemas.openxmlformats.org/drawingml/2006/main" xmlns:r="http://schemas.openxmlformats.org/officeDocument/2006/relationships" xmlns:p="http://schemas.openxmlformats.org/presentationml/2006/main">
+  <p:cSld>
+    <p:spTree>
+      <p:nvGrpSpPr>
+        <p:cNvPr id="1" name=""/>
+        <p:cNvGrpSpPr/>
+        <p:nvPr/>
+      </p:nvGrpSpPr>
+      <p:grpSpPr>
+        <a:xfrm>
+          <a:off x="0" y="0"/>
+          <a:ext cx="0" cy="0"/>
+          <a:chOff x="0" y="0"/>
+          <a:chExt cx="0" cy="0"/>
+        </a:xfrm>
+      </p:grpSpPr>
+      <p:sp>
+        <p:nvSpPr>
+          <p:cNvPr id="2" name="Title 1"/>
+          <p:cNvSpPr>
+            <a:spLocks noGrp="1"/>
+          </p:cNvSpPr>
+          <p:nvPr>
+            <p:ph type="title"/>
+          </p:nvPr>
+        </p:nvSpPr>
+        <p:spPr/>
+        <p:txBody>
+          <a:bodyPr>
+            <a:normAutofit/>
+          </a:bodyPr>
+          <a:lstStyle/>
+          <a:p>
+            <a:r>
+              <a:rPr lang="en-US" sz="3600" dirty="0" smtClean="0"/>
+              <a:t>Random Forest</a:t>
+            </a:r>
+            <a:endParaRPr lang="en-US" sz="3600" dirty="0"/>
+          </a:p>
+        </p:txBody>
+      </p:sp>
+      <p:pic>
+        <p:nvPicPr>
+          <p:cNvPr id="4" name="Content Placeholder 3"/>
+          <p:cNvPicPr>
+            <a:picLocks noGrp="1" noChangeAspect="1"/>
+          </p:cNvPicPr>
+          <p:nvPr>
+            <p:ph idx="1"/>
+          </p:nvPr>
+        </p:nvPicPr>
+        <p:blipFill>
+          <a:blip r:embed="rId2">
+            <a:extLst>
+              <a:ext uri="{28A0092B-C50C-407E-A947-70E740481C1C}">
+                <a14:useLocalDpi xmlns:a14="http://schemas.microsoft.com/office/drawing/2010/main" val="0"/>
+              </a:ext>
+            </a:extLst>
+          </a:blip>
+          <a:stretch>
+            <a:fillRect/>
+          </a:stretch>
+        </p:blipFill>
+        <p:spPr>
+          <a:xfrm>
+            <a:off x="838200" y="1353172"/>
+            <a:ext cx="7462652" cy="1146050"/>
+          </a:xfrm>
+        </p:spPr>
+      </p:pic>
+      <p:pic>
+        <p:nvPicPr>
+          <p:cNvPr id="5" name="Picture 4"/>
+          <p:cNvPicPr>
+            <a:picLocks noChangeAspect="1"/>
+          </p:cNvPicPr>
+          <p:nvPr/>
+        </p:nvPicPr>
+        <p:blipFill>
+          <a:blip r:embed="rId3">
+            <a:extLst>
+              <a:ext uri="{28A0092B-C50C-407E-A947-70E740481C1C}">
+                <a14:useLocalDpi xmlns:a14="http://schemas.microsoft.com/office/drawing/2010/main" val="0"/>
+              </a:ext>
+            </a:extLst>
+          </a:blip>
+          <a:stretch>
+            <a:fillRect/>
+          </a:stretch>
+        </p:blipFill>
+        <p:spPr>
+          <a:xfrm>
+            <a:off x="800100" y="2755900"/>
+            <a:ext cx="10058400" cy="1279940"/>
+          </a:xfrm>
+          <a:prstGeom prst="rect">
+            <a:avLst/>
+          </a:prstGeom>
+        </p:spPr>
+      </p:pic>
+      <p:pic>
+        <p:nvPicPr>
+          <p:cNvPr id="6" name="Picture 5"/>
+          <p:cNvPicPr>
+            <a:picLocks noChangeAspect="1"/>
+          </p:cNvPicPr>
+          <p:nvPr/>
+        </p:nvPicPr>
+        <p:blipFill>
+          <a:blip r:embed="rId4">
+            <a:extLst>
+              <a:ext uri="{28A0092B-C50C-407E-A947-70E740481C1C}">
+                <a14:useLocalDpi xmlns:a14="http://schemas.microsoft.com/office/drawing/2010/main" val="0"/>
+              </a:ext>
+            </a:extLst>
+          </a:blip>
+          <a:stretch>
+            <a:fillRect/>
+          </a:stretch>
+        </p:blipFill>
+        <p:spPr>
+          <a:xfrm>
+            <a:off x="838200" y="4292518"/>
+            <a:ext cx="6781800" cy="1028700"/>
+          </a:xfrm>
+          <a:prstGeom prst="rect">
+            <a:avLst/>
+          </a:prstGeom>
+        </p:spPr>
+      </p:pic>
+    </p:spTree>
+    <p:extLst>
+      <p:ext uri="{BB962C8B-B14F-4D97-AF65-F5344CB8AC3E}">
+        <p14:creationId xmlns:p14="http://schemas.microsoft.com/office/powerpoint/2010/main" val="70306891"/>
+      </p:ext>
+    </p:extLst>
+  </p:cSld>
+  <p:clrMapOvr>
+    <a:masterClrMapping/>
+  </p:clrMapOvr>
+</p:sld>
+</file>
+
+<file path=ppt/slides/slide27.xml><?xml version="1.0" encoding="utf-8"?>
+<p:sld xmlns:a="http://schemas.openxmlformats.org/drawingml/2006/main" xmlns:r="http://schemas.openxmlformats.org/officeDocument/2006/relationships" xmlns:p="http://schemas.openxmlformats.org/presentationml/2006/main">
+  <p:cSld>
+    <p:spTree>
+      <p:nvGrpSpPr>
+        <p:cNvPr id="1" name=""/>
+        <p:cNvGrpSpPr/>
+        <p:nvPr/>
+      </p:nvGrpSpPr>
+      <p:grpSpPr>
+        <a:xfrm>
+          <a:off x="0" y="0"/>
+          <a:ext cx="0" cy="0"/>
+          <a:chOff x="0" y="0"/>
+          <a:chExt cx="0" cy="0"/>
+        </a:xfrm>
+      </p:grpSpPr>
+      <p:sp>
+        <p:nvSpPr>
+          <p:cNvPr id="2" name="Title 1"/>
+          <p:cNvSpPr>
+            <a:spLocks noGrp="1"/>
+          </p:cNvSpPr>
+          <p:nvPr>
+            <p:ph type="title"/>
+          </p:nvPr>
+        </p:nvSpPr>
+        <p:spPr/>
+        <p:txBody>
+          <a:bodyPr>
+            <a:normAutofit/>
+          </a:bodyPr>
+          <a:lstStyle/>
+          <a:p>
+            <a:r>
+              <a:rPr lang="en-US" sz="3600" dirty="0" smtClean="0"/>
+              <a:t>Gradient Boost</a:t>
+            </a:r>
+            <a:endParaRPr lang="en-US" sz="3600" dirty="0"/>
+          </a:p>
+        </p:txBody>
+      </p:sp>
+      <p:pic>
+        <p:nvPicPr>
+          <p:cNvPr id="4" name="Content Placeholder 3"/>
+          <p:cNvPicPr>
+            <a:picLocks noGrp="1" noChangeAspect="1"/>
+          </p:cNvPicPr>
+          <p:nvPr>
+            <p:ph idx="1"/>
+          </p:nvPr>
+        </p:nvPicPr>
+        <p:blipFill>
+          <a:blip r:embed="rId2">
+            <a:extLst>
+              <a:ext uri="{28A0092B-C50C-407E-A947-70E740481C1C}">
+                <a14:useLocalDpi xmlns:a14="http://schemas.microsoft.com/office/drawing/2010/main" val="0"/>
+              </a:ext>
+            </a:extLst>
+          </a:blip>
+          <a:stretch>
+            <a:fillRect/>
+          </a:stretch>
+        </p:blipFill>
+        <p:spPr>
+          <a:xfrm>
+            <a:off x="707572" y="1329616"/>
+            <a:ext cx="8103919" cy="1375958"/>
+          </a:xfrm>
+        </p:spPr>
+      </p:pic>
+      <p:pic>
+        <p:nvPicPr>
+          <p:cNvPr id="5" name="Picture 4"/>
+          <p:cNvPicPr>
+            <a:picLocks noChangeAspect="1"/>
+          </p:cNvPicPr>
+          <p:nvPr/>
+        </p:nvPicPr>
+        <p:blipFill>
+          <a:blip r:embed="rId3">
+            <a:extLst>
+              <a:ext uri="{28A0092B-C50C-407E-A947-70E740481C1C}">
+                <a14:useLocalDpi xmlns:a14="http://schemas.microsoft.com/office/drawing/2010/main" val="0"/>
+              </a:ext>
+            </a:extLst>
+          </a:blip>
+          <a:stretch>
+            <a:fillRect/>
+          </a:stretch>
+        </p:blipFill>
+        <p:spPr>
+          <a:xfrm>
+            <a:off x="707572" y="3768529"/>
+            <a:ext cx="4889500" cy="1054100"/>
+          </a:xfrm>
+          <a:prstGeom prst="rect">
+            <a:avLst/>
+          </a:prstGeom>
+        </p:spPr>
+      </p:pic>
+      <p:pic>
+        <p:nvPicPr>
+          <p:cNvPr id="6" name="Picture 5"/>
+          <p:cNvPicPr>
+            <a:picLocks noChangeAspect="1"/>
+          </p:cNvPicPr>
+          <p:nvPr/>
+        </p:nvPicPr>
+        <p:blipFill>
+          <a:blip r:embed="rId4">
+            <a:extLst>
+              <a:ext uri="{28A0092B-C50C-407E-A947-70E740481C1C}">
+                <a14:useLocalDpi xmlns:a14="http://schemas.microsoft.com/office/drawing/2010/main" val="0"/>
+              </a:ext>
+            </a:extLst>
+          </a:blip>
+          <a:stretch>
+            <a:fillRect/>
+          </a:stretch>
+        </p:blipFill>
+        <p:spPr>
+          <a:xfrm>
+            <a:off x="707572" y="2705574"/>
+            <a:ext cx="7011389" cy="1186058"/>
+          </a:xfrm>
+          <a:prstGeom prst="rect">
+            <a:avLst/>
+          </a:prstGeom>
+        </p:spPr>
+      </p:pic>
+      <p:pic>
+        <p:nvPicPr>
+          <p:cNvPr id="7" name="Picture 6"/>
+          <p:cNvPicPr>
+            <a:picLocks noChangeAspect="1"/>
+          </p:cNvPicPr>
+          <p:nvPr/>
+        </p:nvPicPr>
+        <p:blipFill>
+          <a:blip r:embed="rId5">
+            <a:extLst>
+              <a:ext uri="{28A0092B-C50C-407E-A947-70E740481C1C}">
+                <a14:useLocalDpi xmlns:a14="http://schemas.microsoft.com/office/drawing/2010/main" val="0"/>
+              </a:ext>
+            </a:extLst>
+          </a:blip>
+          <a:stretch>
+            <a:fillRect/>
+          </a:stretch>
+        </p:blipFill>
+        <p:spPr>
+          <a:xfrm>
+            <a:off x="838200" y="4822629"/>
+            <a:ext cx="6540500" cy="889000"/>
+          </a:xfrm>
+          <a:prstGeom prst="rect">
+            <a:avLst/>
+          </a:prstGeom>
+        </p:spPr>
+      </p:pic>
+    </p:spTree>
+    <p:extLst>
+      <p:ext uri="{BB962C8B-B14F-4D97-AF65-F5344CB8AC3E}">
+        <p14:creationId xmlns:p14="http://schemas.microsoft.com/office/powerpoint/2010/main" val="1589573647"/>
+      </p:ext>
+    </p:extLst>
+  </p:cSld>
+  <p:clrMapOvr>
+    <a:masterClrMapping/>
+  </p:clrMapOvr>
+</p:sld>
+</file>
+
+<file path=ppt/slides/slide28.xml><?xml version="1.0" encoding="utf-8"?>
+<p:sld xmlns:a="http://schemas.openxmlformats.org/drawingml/2006/main" xmlns:r="http://schemas.openxmlformats.org/officeDocument/2006/relationships" xmlns:p="http://schemas.openxmlformats.org/presentationml/2006/main">
+  <p:cSld>
+    <p:spTree>
+      <p:nvGrpSpPr>
+        <p:cNvPr id="1" name=""/>
+        <p:cNvGrpSpPr/>
+        <p:nvPr/>
+      </p:nvGrpSpPr>
+      <p:grpSpPr>
+        <a:xfrm>
+          <a:off x="0" y="0"/>
+          <a:ext cx="0" cy="0"/>
+          <a:chOff x="0" y="0"/>
+          <a:chExt cx="0" cy="0"/>
+        </a:xfrm>
+      </p:grpSpPr>
+      <p:sp>
+        <p:nvSpPr>
+          <p:cNvPr id="2" name="Title 1"/>
+          <p:cNvSpPr>
+            <a:spLocks noGrp="1"/>
+          </p:cNvSpPr>
+          <p:nvPr>
+            <p:ph type="title"/>
+          </p:nvPr>
+        </p:nvSpPr>
+        <p:spPr/>
+        <p:txBody>
+          <a:bodyPr>
+            <a:normAutofit/>
+          </a:bodyPr>
+          <a:lstStyle/>
+          <a:p>
             <a:pPr lvl="0"/>
             <a:r>
               <a:rPr lang="en-US" sz="3200" dirty="0" smtClean="0"/>
-              <a:t>Evaluation Metric - </a:t>
-            </a:r>
-            <a:r>
-              <a:rPr lang="en-US" sz="3200" dirty="0" smtClean="0"/>
-              <a:t>Mean Square Error </a:t>
+              <a:t>Evaluation Metric - Mean Square Error </a:t>
             </a:r>
             <a:endParaRPr lang="en-US" sz="3200" dirty="0"/>
           </a:p>
@@ -7648,10 +7266,10 @@
           <p:cNvPr id="11" name="Rectangle 10">
             <a:extLst>
               <a:ext uri="{FF2B5EF4-FFF2-40B4-BE49-F238E27FC236}">
-                <a16:creationId xmlns:a16="http://schemas.microsoft.com/office/drawing/2014/main" xmlns="" id="{6753252F-4873-4F63-801D-CC719279A7D5}"/>
+                <a16:creationId xmlns="" xmlns:a16="http://schemas.microsoft.com/office/drawing/2014/main" id="{6753252F-4873-4F63-801D-CC719279A7D5}"/>
               </a:ext>
               <a:ext uri="{C183D7F6-B498-43B3-948B-1728B52AA6E4}">
-                <adec:decorative xmlns:adec="http://schemas.microsoft.com/office/drawing/2017/decorative" xmlns="" val="1"/>
+                <adec:decorative xmlns="" xmlns:adec="http://schemas.microsoft.com/office/drawing/2017/decorative" val="1"/>
               </a:ext>
             </a:extLst>
           </p:cNvPr>
@@ -7711,10 +7329,10 @@
           <p:cNvPr id="13" name="Rectangle 12">
             <a:extLst>
               <a:ext uri="{FF2B5EF4-FFF2-40B4-BE49-F238E27FC236}">
-                <a16:creationId xmlns:a16="http://schemas.microsoft.com/office/drawing/2014/main" xmlns="" id="{047C8CCB-F95D-4249-92DD-651249D3535A}"/>
+                <a16:creationId xmlns="" xmlns:a16="http://schemas.microsoft.com/office/drawing/2014/main" id="{047C8CCB-F95D-4249-92DD-651249D3535A}"/>
               </a:ext>
               <a:ext uri="{C183D7F6-B498-43B3-948B-1728B52AA6E4}">
-                <adec:decorative xmlns:adec="http://schemas.microsoft.com/office/drawing/2017/decorative" xmlns="" val="1"/>
+                <adec:decorative xmlns="" xmlns:adec="http://schemas.microsoft.com/office/drawing/2017/decorative" val="1"/>
               </a:ext>
             </a:extLst>
           </p:cNvPr>
@@ -8052,10 +7670,10 @@
           <p:cNvPr id="9" name="Rectangle 8">
             <a:extLst>
               <a:ext uri="{FF2B5EF4-FFF2-40B4-BE49-F238E27FC236}">
-                <a16:creationId xmlns:a16="http://schemas.microsoft.com/office/drawing/2014/main" xmlns="" id="{6753252F-4873-4F63-801D-CC719279A7D5}"/>
+                <a16:creationId xmlns="" xmlns:a16="http://schemas.microsoft.com/office/drawing/2014/main" id="{6753252F-4873-4F63-801D-CC719279A7D5}"/>
               </a:ext>
               <a:ext uri="{C183D7F6-B498-43B3-948B-1728B52AA6E4}">
-                <adec:decorative xmlns:adec="http://schemas.microsoft.com/office/drawing/2017/decorative" xmlns="" val="1"/>
+                <adec:decorative xmlns="" xmlns:adec="http://schemas.microsoft.com/office/drawing/2017/decorative" val="1"/>
               </a:ext>
             </a:extLst>
           </p:cNvPr>
@@ -8115,10 +7733,10 @@
           <p:cNvPr id="11" name="Rectangle 10">
             <a:extLst>
               <a:ext uri="{FF2B5EF4-FFF2-40B4-BE49-F238E27FC236}">
-                <a16:creationId xmlns:a16="http://schemas.microsoft.com/office/drawing/2014/main" xmlns="" id="{047C8CCB-F95D-4249-92DD-651249D3535A}"/>
+                <a16:creationId xmlns="" xmlns:a16="http://schemas.microsoft.com/office/drawing/2014/main" id="{047C8CCB-F95D-4249-92DD-651249D3535A}"/>
               </a:ext>
               <a:ext uri="{C183D7F6-B498-43B3-948B-1728B52AA6E4}">
-                <adec:decorative xmlns:adec="http://schemas.microsoft.com/office/drawing/2017/decorative" xmlns="" val="1"/>
+                <adec:decorative xmlns="" xmlns:adec="http://schemas.microsoft.com/office/drawing/2017/decorative" val="1"/>
               </a:ext>
             </a:extLst>
           </p:cNvPr>
@@ -8296,10 +7914,10 @@
           <p:cNvPr id="9" name="Rectangle 8">
             <a:extLst>
               <a:ext uri="{FF2B5EF4-FFF2-40B4-BE49-F238E27FC236}">
-                <a16:creationId xmlns:a16="http://schemas.microsoft.com/office/drawing/2014/main" xmlns="" id="{6753252F-4873-4F63-801D-CC719279A7D5}"/>
+                <a16:creationId xmlns="" xmlns:a16="http://schemas.microsoft.com/office/drawing/2014/main" id="{6753252F-4873-4F63-801D-CC719279A7D5}"/>
               </a:ext>
               <a:ext uri="{C183D7F6-B498-43B3-948B-1728B52AA6E4}">
-                <adec:decorative xmlns:adec="http://schemas.microsoft.com/office/drawing/2017/decorative" xmlns="" val="1"/>
+                <adec:decorative xmlns="" xmlns:adec="http://schemas.microsoft.com/office/drawing/2017/decorative" val="1"/>
               </a:ext>
             </a:extLst>
           </p:cNvPr>
@@ -8359,10 +7977,10 @@
           <p:cNvPr id="11" name="Rectangle 10">
             <a:extLst>
               <a:ext uri="{FF2B5EF4-FFF2-40B4-BE49-F238E27FC236}">
-                <a16:creationId xmlns:a16="http://schemas.microsoft.com/office/drawing/2014/main" xmlns="" id="{047C8CCB-F95D-4249-92DD-651249D3535A}"/>
+                <a16:creationId xmlns="" xmlns:a16="http://schemas.microsoft.com/office/drawing/2014/main" id="{047C8CCB-F95D-4249-92DD-651249D3535A}"/>
               </a:ext>
               <a:ext uri="{C183D7F6-B498-43B3-948B-1728B52AA6E4}">
-                <adec:decorative xmlns:adec="http://schemas.microsoft.com/office/drawing/2017/decorative" xmlns="" val="1"/>
+                <adec:decorative xmlns="" xmlns:adec="http://schemas.microsoft.com/office/drawing/2017/decorative" val="1"/>
               </a:ext>
             </a:extLst>
           </p:cNvPr>
@@ -8636,10 +8254,10 @@
           <p:cNvPr id="9" name="Rectangle 8">
             <a:extLst>
               <a:ext uri="{FF2B5EF4-FFF2-40B4-BE49-F238E27FC236}">
-                <a16:creationId xmlns:a16="http://schemas.microsoft.com/office/drawing/2014/main" xmlns="" id="{6753252F-4873-4F63-801D-CC719279A7D5}"/>
+                <a16:creationId xmlns="" xmlns:a16="http://schemas.microsoft.com/office/drawing/2014/main" id="{6753252F-4873-4F63-801D-CC719279A7D5}"/>
               </a:ext>
               <a:ext uri="{C183D7F6-B498-43B3-948B-1728B52AA6E4}">
-                <adec:decorative xmlns:adec="http://schemas.microsoft.com/office/drawing/2017/decorative" xmlns="" val="1"/>
+                <adec:decorative xmlns="" xmlns:adec="http://schemas.microsoft.com/office/drawing/2017/decorative" val="1"/>
               </a:ext>
             </a:extLst>
           </p:cNvPr>
@@ -8699,10 +8317,10 @@
           <p:cNvPr id="11" name="Rectangle 10">
             <a:extLst>
               <a:ext uri="{FF2B5EF4-FFF2-40B4-BE49-F238E27FC236}">
-                <a16:creationId xmlns:a16="http://schemas.microsoft.com/office/drawing/2014/main" xmlns="" id="{047C8CCB-F95D-4249-92DD-651249D3535A}"/>
+                <a16:creationId xmlns="" xmlns:a16="http://schemas.microsoft.com/office/drawing/2014/main" id="{047C8CCB-F95D-4249-92DD-651249D3535A}"/>
               </a:ext>
               <a:ext uri="{C183D7F6-B498-43B3-948B-1728B52AA6E4}">
-                <adec:decorative xmlns:adec="http://schemas.microsoft.com/office/drawing/2017/decorative" xmlns="" val="1"/>
+                <adec:decorative xmlns="" xmlns:adec="http://schemas.microsoft.com/office/drawing/2017/decorative" val="1"/>
               </a:ext>
             </a:extLst>
           </p:cNvPr>
@@ -8941,10 +8559,10 @@
           <p:cNvPr id="9" name="Rectangle 8">
             <a:extLst>
               <a:ext uri="{FF2B5EF4-FFF2-40B4-BE49-F238E27FC236}">
-                <a16:creationId xmlns:a16="http://schemas.microsoft.com/office/drawing/2014/main" xmlns="" id="{6753252F-4873-4F63-801D-CC719279A7D5}"/>
+                <a16:creationId xmlns="" xmlns:a16="http://schemas.microsoft.com/office/drawing/2014/main" id="{6753252F-4873-4F63-801D-CC719279A7D5}"/>
               </a:ext>
               <a:ext uri="{C183D7F6-B498-43B3-948B-1728B52AA6E4}">
-                <adec:decorative xmlns:adec="http://schemas.microsoft.com/office/drawing/2017/decorative" xmlns="" val="1"/>
+                <adec:decorative xmlns="" xmlns:adec="http://schemas.microsoft.com/office/drawing/2017/decorative" val="1"/>
               </a:ext>
             </a:extLst>
           </p:cNvPr>
@@ -9004,10 +8622,10 @@
           <p:cNvPr id="11" name="Rectangle 10">
             <a:extLst>
               <a:ext uri="{FF2B5EF4-FFF2-40B4-BE49-F238E27FC236}">
-                <a16:creationId xmlns:a16="http://schemas.microsoft.com/office/drawing/2014/main" xmlns="" id="{047C8CCB-F95D-4249-92DD-651249D3535A}"/>
+                <a16:creationId xmlns="" xmlns:a16="http://schemas.microsoft.com/office/drawing/2014/main" id="{047C8CCB-F95D-4249-92DD-651249D3535A}"/>
               </a:ext>
               <a:ext uri="{C183D7F6-B498-43B3-948B-1728B52AA6E4}">
-                <adec:decorative xmlns:adec="http://schemas.microsoft.com/office/drawing/2017/decorative" xmlns="" val="1"/>
+                <adec:decorative xmlns="" xmlns:adec="http://schemas.microsoft.com/office/drawing/2017/decorative" val="1"/>
               </a:ext>
             </a:extLst>
           </p:cNvPr>
